--- a/images/backendUIOverview.pptx
+++ b/images/backendUIOverview.pptx
@@ -212,7 +212,7 @@
             <a:fld id="{5D8FA8FF-20DC-44E5-8C35-13EAF0A5698C}" type="datetimeFigureOut">
               <a:rPr lang="en-SG" smtClean="0"/>
               <a:pPr/>
-              <a:t>14/11/18</a:t>
+              <a:t>9/9/2019</a:t>
             </a:fld>
             <a:endParaRPr lang="en-SG"/>
           </a:p>
@@ -661,7 +661,7 @@
             <a:fld id="{1D8BD707-D9CF-40AE-B4C6-C98DA3205C09}" type="datetimeFigureOut">
               <a:rPr lang="en-US" smtClean="0"/>
               <a:pPr/>
-              <a:t>11/14/18</a:t>
+              <a:t>9/9/2019</a:t>
             </a:fld>
             <a:endParaRPr lang="en-US"/>
           </a:p>
@@ -826,7 +826,7 @@
             <a:fld id="{1D8BD707-D9CF-40AE-B4C6-C98DA3205C09}" type="datetimeFigureOut">
               <a:rPr lang="en-US" smtClean="0"/>
               <a:pPr/>
-              <a:t>11/14/18</a:t>
+              <a:t>9/9/2019</a:t>
             </a:fld>
             <a:endParaRPr lang="en-US"/>
           </a:p>
@@ -1001,7 +1001,7 @@
             <a:fld id="{1D8BD707-D9CF-40AE-B4C6-C98DA3205C09}" type="datetimeFigureOut">
               <a:rPr lang="en-US" smtClean="0"/>
               <a:pPr/>
-              <a:t>11/14/18</a:t>
+              <a:t>9/9/2019</a:t>
             </a:fld>
             <a:endParaRPr lang="en-US"/>
           </a:p>
@@ -1166,7 +1166,7 @@
             <a:fld id="{1D8BD707-D9CF-40AE-B4C6-C98DA3205C09}" type="datetimeFigureOut">
               <a:rPr lang="en-US" smtClean="0"/>
               <a:pPr/>
-              <a:t>11/14/18</a:t>
+              <a:t>9/9/2019</a:t>
             </a:fld>
             <a:endParaRPr lang="en-US"/>
           </a:p>
@@ -1408,7 +1408,7 @@
             <a:fld id="{1D8BD707-D9CF-40AE-B4C6-C98DA3205C09}" type="datetimeFigureOut">
               <a:rPr lang="en-US" smtClean="0"/>
               <a:pPr/>
-              <a:t>11/14/18</a:t>
+              <a:t>9/9/2019</a:t>
             </a:fld>
             <a:endParaRPr lang="en-US"/>
           </a:p>
@@ -1690,7 +1690,7 @@
             <a:fld id="{1D8BD707-D9CF-40AE-B4C6-C98DA3205C09}" type="datetimeFigureOut">
               <a:rPr lang="en-US" smtClean="0"/>
               <a:pPr/>
-              <a:t>11/14/18</a:t>
+              <a:t>9/9/2019</a:t>
             </a:fld>
             <a:endParaRPr lang="en-US"/>
           </a:p>
@@ -2106,7 +2106,7 @@
             <a:fld id="{1D8BD707-D9CF-40AE-B4C6-C98DA3205C09}" type="datetimeFigureOut">
               <a:rPr lang="en-US" smtClean="0"/>
               <a:pPr/>
-              <a:t>11/14/18</a:t>
+              <a:t>9/9/2019</a:t>
             </a:fld>
             <a:endParaRPr lang="en-US"/>
           </a:p>
@@ -2220,7 +2220,7 @@
             <a:fld id="{1D8BD707-D9CF-40AE-B4C6-C98DA3205C09}" type="datetimeFigureOut">
               <a:rPr lang="en-US" smtClean="0"/>
               <a:pPr/>
-              <a:t>11/14/18</a:t>
+              <a:t>9/9/2019</a:t>
             </a:fld>
             <a:endParaRPr lang="en-US"/>
           </a:p>
@@ -2312,7 +2312,7 @@
             <a:fld id="{1D8BD707-D9CF-40AE-B4C6-C98DA3205C09}" type="datetimeFigureOut">
               <a:rPr lang="en-US" smtClean="0"/>
               <a:pPr/>
-              <a:t>11/14/18</a:t>
+              <a:t>9/9/2019</a:t>
             </a:fld>
             <a:endParaRPr lang="en-US"/>
           </a:p>
@@ -2584,7 +2584,7 @@
             <a:fld id="{1D8BD707-D9CF-40AE-B4C6-C98DA3205C09}" type="datetimeFigureOut">
               <a:rPr lang="en-US" smtClean="0"/>
               <a:pPr/>
-              <a:t>11/14/18</a:t>
+              <a:t>9/9/2019</a:t>
             </a:fld>
             <a:endParaRPr lang="en-US"/>
           </a:p>
@@ -2833,7 +2833,7 @@
             <a:fld id="{1D8BD707-D9CF-40AE-B4C6-C98DA3205C09}" type="datetimeFigureOut">
               <a:rPr lang="en-US" smtClean="0"/>
               <a:pPr/>
-              <a:t>11/14/18</a:t>
+              <a:t>9/9/2019</a:t>
             </a:fld>
             <a:endParaRPr lang="en-US"/>
           </a:p>
@@ -3041,7 +3041,7 @@
             <a:fld id="{1D8BD707-D9CF-40AE-B4C6-C98DA3205C09}" type="datetimeFigureOut">
               <a:rPr lang="en-US" smtClean="0"/>
               <a:pPr/>
-              <a:t>11/14/18</a:t>
+              <a:t>9/9/2019</a:t>
             </a:fld>
             <a:endParaRPr lang="en-US"/>
           </a:p>
@@ -3907,7 +3907,7 @@
           <a:lstStyle/>
           <a:p>
             <a:r>
-              <a:rPr lang="en-US" b="1" dirty="0" smtClean="0">
+              <a:rPr lang="en-US" b="1" dirty="0">
                 <a:solidFill>
                   <a:schemeClr val="accent5"/>
                 </a:solidFill>
@@ -3915,7 +3915,7 @@
               <a:t>POST</a:t>
             </a:r>
             <a:r>
-              <a:rPr lang="en-US" dirty="0" smtClean="0">
+              <a:rPr lang="en-US" dirty="0">
                 <a:solidFill>
                   <a:schemeClr val="accent5"/>
                 </a:solidFill>
@@ -3923,20 +3923,16 @@
               <a:t> </a:t>
             </a:r>
             <a:r>
-              <a:rPr lang="en-US" dirty="0" smtClean="0"/>
+              <a:rPr lang="en-US" dirty="0"/>
               <a:t>/</a:t>
             </a:r>
             <a:r>
-              <a:rPr lang="en-US" dirty="0" err="1" smtClean="0"/>
+              <a:rPr lang="en-US" dirty="0" err="1"/>
               <a:t>api</a:t>
             </a:r>
             <a:r>
-              <a:rPr lang="en-US" dirty="0" smtClean="0"/>
-              <a:t>/presentations</a:t>
-            </a:r>
-            <a:r>
               <a:rPr lang="en-US" dirty="0"/>
-              <a:t>/{id}/analysis</a:t>
+              <a:t>/presentations/{id}/analysis</a:t>
             </a:r>
           </a:p>
         </p:txBody>
@@ -3964,7 +3960,7 @@
           <a:lstStyle/>
           <a:p>
             <a:r>
-              <a:rPr lang="en-US" b="1" dirty="0" smtClean="0">
+              <a:rPr lang="en-US" b="1" dirty="0">
                 <a:solidFill>
                   <a:schemeClr val="accent3"/>
                 </a:solidFill>
@@ -3972,7 +3968,7 @@
               <a:t>GET</a:t>
             </a:r>
             <a:r>
-              <a:rPr lang="en-US" b="1" dirty="0" smtClean="0">
+              <a:rPr lang="en-US" b="1" dirty="0">
                 <a:solidFill>
                   <a:schemeClr val="accent5"/>
                 </a:solidFill>
@@ -3980,19 +3976,19 @@
               <a:t> </a:t>
             </a:r>
             <a:r>
-              <a:rPr lang="en-US" dirty="0" smtClean="0"/>
+              <a:rPr lang="en-US" dirty="0"/>
               <a:t>/</a:t>
             </a:r>
             <a:r>
-              <a:rPr lang="en-US" dirty="0" err="1" smtClean="0"/>
+              <a:rPr lang="en-US" dirty="0" err="1"/>
               <a:t>api</a:t>
             </a:r>
             <a:r>
-              <a:rPr lang="en-US" dirty="0" smtClean="0"/>
+              <a:rPr lang="en-US" dirty="0"/>
               <a:t>/</a:t>
             </a:r>
             <a:r>
-              <a:rPr lang="en-US" dirty="0" err="1" smtClean="0"/>
+              <a:rPr lang="en-US" dirty="0" err="1"/>
               <a:t>auth</a:t>
             </a:r>
             <a:endParaRPr lang="en-US" dirty="0"/>
@@ -4022,7 +4018,7 @@
           <a:lstStyle/>
           <a:p>
             <a:r>
-              <a:rPr lang="en-US" b="1" dirty="0" smtClean="0">
+              <a:rPr lang="en-US" b="1" dirty="0">
                 <a:solidFill>
                   <a:schemeClr val="accent3"/>
                 </a:solidFill>
@@ -4030,7 +4026,7 @@
               <a:t>GET</a:t>
             </a:r>
             <a:r>
-              <a:rPr lang="en-US" b="1" dirty="0" smtClean="0">
+              <a:rPr lang="en-US" b="1" dirty="0">
                 <a:solidFill>
                   <a:schemeClr val="accent5"/>
                 </a:solidFill>
@@ -4038,26 +4034,25 @@
               <a:t> </a:t>
             </a:r>
             <a:r>
-              <a:rPr lang="en-US" dirty="0" smtClean="0"/>
+              <a:rPr lang="en-US" dirty="0"/>
               <a:t>/</a:t>
             </a:r>
             <a:r>
-              <a:rPr lang="en-US" dirty="0" err="1" smtClean="0"/>
+              <a:rPr lang="en-US" dirty="0" err="1"/>
               <a:t>api</a:t>
             </a:r>
             <a:r>
-              <a:rPr lang="en-US" dirty="0" smtClean="0"/>
+              <a:rPr lang="en-US" dirty="0"/>
               <a:t>/</a:t>
             </a:r>
             <a:r>
-              <a:rPr lang="en-US" dirty="0" err="1" smtClean="0"/>
+              <a:rPr lang="en-US" dirty="0" err="1"/>
               <a:t>db</a:t>
             </a:r>
             <a:r>
-              <a:rPr lang="en-US" dirty="0" smtClean="0"/>
+              <a:rPr lang="en-US" dirty="0"/>
               <a:t>/entity</a:t>
             </a:r>
-            <a:endParaRPr lang="en-US" dirty="0"/>
           </a:p>
         </p:txBody>
       </p:sp>
@@ -4088,7 +4083,7 @@
           <a:lstStyle/>
           <a:p>
             <a:r>
-              <a:rPr lang="en-US" sz="1200" b="1" dirty="0" smtClean="0">
+              <a:rPr lang="en-US" sz="1200" b="1" dirty="0">
                 <a:solidFill>
                   <a:schemeClr val="accent3"/>
                 </a:solidFill>
@@ -4096,7 +4091,7 @@
               <a:t>GET</a:t>
             </a:r>
             <a:r>
-              <a:rPr lang="en-US" sz="1200" b="1" dirty="0" smtClean="0">
+              <a:rPr lang="en-US" sz="1200" b="1" dirty="0">
                 <a:solidFill>
                   <a:schemeClr val="accent5"/>
                 </a:solidFill>
@@ -4104,16 +4099,106 @@
               <a:t> </a:t>
             </a:r>
             <a:r>
-              <a:rPr lang="en-US" sz="1200" dirty="0" smtClean="0"/>
+              <a:rPr lang="en-US" sz="1200" dirty="0"/>
               <a:t>/</a:t>
             </a:r>
             <a:r>
-              <a:rPr lang="en-US" sz="1200" dirty="0" err="1" smtClean="0"/>
+              <a:rPr lang="en-US" sz="1200" dirty="0" err="1"/>
               <a:t>api</a:t>
             </a:r>
             <a:r>
-              <a:rPr lang="en-US" sz="1200" dirty="0" smtClean="0"/>
-              <a:t>/presentations</a:t>
+              <a:rPr lang="en-US" sz="1200" dirty="0"/>
+              <a:t>/presentations/{</a:t>
+            </a:r>
+            <a:r>
+              <a:rPr lang="en-US" sz="1200" dirty="0" err="1"/>
+              <a:t>presentationId</a:t>
+            </a:r>
+            <a:r>
+              <a:rPr lang="en-US" sz="1200" dirty="0"/>
+              <a:t>}/</a:t>
+            </a:r>
+            <a:r>
+              <a:rPr lang="en-US" sz="1200" dirty="0" err="1"/>
+              <a:t>accessControl</a:t>
+            </a:r>
+            <a:endParaRPr lang="en-US" sz="1200" dirty="0"/>
+          </a:p>
+          <a:p>
+            <a:r>
+              <a:rPr lang="en-US" sz="1200" b="1" dirty="0">
+                <a:solidFill>
+                  <a:schemeClr val="accent5"/>
+                </a:solidFill>
+              </a:rPr>
+              <a:t>POST </a:t>
+            </a:r>
+            <a:r>
+              <a:rPr lang="en-US" sz="1200" dirty="0"/>
+              <a:t>/</a:t>
+            </a:r>
+            <a:r>
+              <a:rPr lang="en-US" sz="1200" dirty="0" err="1"/>
+              <a:t>api</a:t>
+            </a:r>
+            <a:r>
+              <a:rPr lang="en-US" sz="1200" dirty="0"/>
+              <a:t>/presentations/{</a:t>
+            </a:r>
+            <a:r>
+              <a:rPr lang="en-US" sz="1200" dirty="0" err="1"/>
+              <a:t>presentationId</a:t>
+            </a:r>
+            <a:r>
+              <a:rPr lang="en-US" sz="1200" dirty="0"/>
+              <a:t>}/</a:t>
+            </a:r>
+            <a:r>
+              <a:rPr lang="en-US" sz="1200" dirty="0" err="1"/>
+              <a:t>accessControl</a:t>
+            </a:r>
+            <a:endParaRPr lang="en-US" sz="1200" dirty="0"/>
+          </a:p>
+          <a:p>
+            <a:r>
+              <a:rPr lang="en-US" sz="1200" b="1" dirty="0">
+                <a:solidFill>
+                  <a:schemeClr val="accent6"/>
+                </a:solidFill>
+              </a:rPr>
+              <a:t>PUT</a:t>
+            </a:r>
+            <a:r>
+              <a:rPr lang="en-US" sz="1200" b="1" dirty="0">
+                <a:solidFill>
+                  <a:schemeClr val="accent3"/>
+                </a:solidFill>
+              </a:rPr>
+              <a:t> </a:t>
+            </a:r>
+            <a:r>
+              <a:rPr lang="en-US" sz="1200" dirty="0"/>
+              <a:t>/</a:t>
+            </a:r>
+            <a:r>
+              <a:rPr lang="en-US" sz="1200" dirty="0" err="1"/>
+              <a:t>api</a:t>
+            </a:r>
+            <a:r>
+              <a:rPr lang="en-US" sz="1200" dirty="0"/>
+              <a:t>/presentations/{</a:t>
+            </a:r>
+            <a:r>
+              <a:rPr lang="en-US" sz="1200" dirty="0" err="1"/>
+              <a:t>presentationId</a:t>
+            </a:r>
+            <a:r>
+              <a:rPr lang="en-US" sz="1200" dirty="0"/>
+              <a:t>}/</a:t>
+            </a:r>
+            <a:r>
+              <a:rPr lang="en-US" sz="1200" dirty="0" err="1"/>
+              <a:t>accessControl</a:t>
             </a:r>
             <a:r>
               <a:rPr lang="en-US" sz="1200" dirty="0"/>
@@ -4121,6 +4206,44 @@
             </a:r>
             <a:r>
               <a:rPr lang="en-US" sz="1200" dirty="0" err="1"/>
+              <a:t>accessControlId</a:t>
+            </a:r>
+            <a:r>
+              <a:rPr lang="en-US" sz="1200" dirty="0"/>
+              <a:t>}</a:t>
+            </a:r>
+          </a:p>
+          <a:p>
+            <a:r>
+              <a:rPr lang="en-US" sz="1200" b="1" dirty="0">
+                <a:solidFill>
+                  <a:schemeClr val="accent2"/>
+                </a:solidFill>
+              </a:rPr>
+              <a:t>DELETE</a:t>
+            </a:r>
+            <a:r>
+              <a:rPr lang="en-US" sz="1200" b="1" dirty="0">
+                <a:solidFill>
+                  <a:schemeClr val="accent3"/>
+                </a:solidFill>
+              </a:rPr>
+              <a:t> </a:t>
+            </a:r>
+            <a:r>
+              <a:rPr lang="en-US" sz="1200" dirty="0"/>
+              <a:t>/</a:t>
+            </a:r>
+            <a:r>
+              <a:rPr lang="en-US" sz="1200" dirty="0" err="1"/>
+              <a:t>api</a:t>
+            </a:r>
+            <a:r>
+              <a:rPr lang="en-US" sz="1200" dirty="0"/>
+              <a:t>/presentations/{</a:t>
+            </a:r>
+            <a:r>
+              <a:rPr lang="en-US" sz="1200" dirty="0" err="1"/>
               <a:t>presentationId</a:t>
             </a:r>
             <a:r>
@@ -4128,138 +4251,6 @@
               <a:t>}/</a:t>
             </a:r>
             <a:r>
-              <a:rPr lang="en-US" sz="1200" dirty="0" err="1" smtClean="0"/>
-              <a:t>accessControl</a:t>
-            </a:r>
-            <a:endParaRPr lang="en-US" sz="1200" dirty="0" smtClean="0"/>
-          </a:p>
-          <a:p>
-            <a:r>
-              <a:rPr lang="en-US" sz="1200" b="1" dirty="0">
-                <a:solidFill>
-                  <a:schemeClr val="accent5"/>
-                </a:solidFill>
-              </a:rPr>
-              <a:t>POST </a:t>
-            </a:r>
-            <a:r>
-              <a:rPr lang="en-US" sz="1200" dirty="0"/>
-              <a:t>/</a:t>
-            </a:r>
-            <a:r>
-              <a:rPr lang="en-US" sz="1200" dirty="0" err="1"/>
-              <a:t>api</a:t>
-            </a:r>
-            <a:r>
-              <a:rPr lang="en-US" sz="1200" dirty="0"/>
-              <a:t>/presentations/{</a:t>
-            </a:r>
-            <a:r>
-              <a:rPr lang="en-US" sz="1200" dirty="0" err="1"/>
-              <a:t>presentationId</a:t>
-            </a:r>
-            <a:r>
-              <a:rPr lang="en-US" sz="1200" dirty="0"/>
-              <a:t>}/</a:t>
-            </a:r>
-            <a:r>
-              <a:rPr lang="en-US" sz="1200" dirty="0" err="1" smtClean="0"/>
-              <a:t>accessControl</a:t>
-            </a:r>
-            <a:endParaRPr lang="en-US" sz="1200" dirty="0" smtClean="0"/>
-          </a:p>
-          <a:p>
-            <a:r>
-              <a:rPr lang="en-US" sz="1200" b="1" dirty="0" smtClean="0">
-                <a:solidFill>
-                  <a:schemeClr val="accent6"/>
-                </a:solidFill>
-              </a:rPr>
-              <a:t>PUT</a:t>
-            </a:r>
-            <a:r>
-              <a:rPr lang="en-US" sz="1200" b="1" dirty="0" smtClean="0">
-                <a:solidFill>
-                  <a:schemeClr val="accent3"/>
-                </a:solidFill>
-              </a:rPr>
-              <a:t> </a:t>
-            </a:r>
-            <a:r>
-              <a:rPr lang="en-US" sz="1200" dirty="0" smtClean="0"/>
-              <a:t>/</a:t>
-            </a:r>
-            <a:r>
-              <a:rPr lang="en-US" sz="1200" dirty="0" err="1" smtClean="0"/>
-              <a:t>api</a:t>
-            </a:r>
-            <a:r>
-              <a:rPr lang="en-US" sz="1200" dirty="0" smtClean="0"/>
-              <a:t>/presentations/{</a:t>
-            </a:r>
-            <a:r>
-              <a:rPr lang="en-US" sz="1200" dirty="0" err="1" smtClean="0"/>
-              <a:t>presentationId</a:t>
-            </a:r>
-            <a:r>
-              <a:rPr lang="en-US" sz="1200" dirty="0" smtClean="0"/>
-              <a:t>}/</a:t>
-            </a:r>
-            <a:r>
-              <a:rPr lang="en-US" sz="1200" dirty="0" err="1" smtClean="0"/>
-              <a:t>accessControl</a:t>
-            </a:r>
-            <a:r>
-              <a:rPr lang="en-US" sz="1200" dirty="0" smtClean="0"/>
-              <a:t>/{</a:t>
-            </a:r>
-            <a:r>
-              <a:rPr lang="en-US" sz="1200" dirty="0" err="1" smtClean="0"/>
-              <a:t>accessControlId</a:t>
-            </a:r>
-            <a:r>
-              <a:rPr lang="en-US" sz="1200" dirty="0" smtClean="0"/>
-              <a:t>}</a:t>
-            </a:r>
-          </a:p>
-          <a:p>
-            <a:r>
-              <a:rPr lang="en-US" sz="1200" b="1" dirty="0" smtClean="0">
-                <a:solidFill>
-                  <a:schemeClr val="accent2"/>
-                </a:solidFill>
-              </a:rPr>
-              <a:t>DELETE</a:t>
-            </a:r>
-            <a:r>
-              <a:rPr lang="en-US" sz="1200" b="1" dirty="0" smtClean="0">
-                <a:solidFill>
-                  <a:schemeClr val="accent3"/>
-                </a:solidFill>
-              </a:rPr>
-              <a:t> </a:t>
-            </a:r>
-            <a:r>
-              <a:rPr lang="en-US" sz="1200" dirty="0"/>
-              <a:t>/</a:t>
-            </a:r>
-            <a:r>
-              <a:rPr lang="en-US" sz="1200" dirty="0" err="1"/>
-              <a:t>api</a:t>
-            </a:r>
-            <a:r>
-              <a:rPr lang="en-US" sz="1200" dirty="0"/>
-              <a:t>/presentations/{</a:t>
-            </a:r>
-            <a:r>
-              <a:rPr lang="en-US" sz="1200" dirty="0" err="1"/>
-              <a:t>presentationId</a:t>
-            </a:r>
-            <a:r>
-              <a:rPr lang="en-US" sz="1200" dirty="0"/>
-              <a:t>}/</a:t>
-            </a:r>
-            <a:r>
               <a:rPr lang="en-US" sz="1200" dirty="0" err="1"/>
               <a:t>accessControl</a:t>
             </a:r>
@@ -4272,10 +4263,9 @@
               <a:t>accessControlId</a:t>
             </a:r>
             <a:r>
-              <a:rPr lang="en-US" sz="1200" dirty="0" smtClean="0"/>
+              <a:rPr lang="en-US" sz="1200" dirty="0"/>
               <a:t>}</a:t>
             </a:r>
-            <a:endParaRPr lang="en-US" sz="1200" dirty="0"/>
           </a:p>
         </p:txBody>
       </p:sp>
@@ -4338,10 +4328,9 @@
               <a:t>presentationId</a:t>
             </a:r>
             <a:r>
-              <a:rPr lang="en-US" sz="1200" dirty="0" smtClean="0"/>
+              <a:rPr lang="en-US" sz="1200" dirty="0"/>
               <a:t>}/sections</a:t>
             </a:r>
-            <a:endParaRPr lang="en-US" sz="1200" dirty="0"/>
           </a:p>
           <a:p>
             <a:r>
@@ -4369,10 +4358,9 @@
               <a:t>presentationId</a:t>
             </a:r>
             <a:r>
-              <a:rPr lang="en-US" sz="1200" dirty="0" smtClean="0"/>
+              <a:rPr lang="en-US" sz="1200" dirty="0"/>
               <a:t>}/sections</a:t>
             </a:r>
-            <a:endParaRPr lang="en-US" sz="1200" dirty="0"/>
           </a:p>
           <a:p>
             <a:r>
@@ -4408,18 +4396,17 @@
               <a:t>presentationId</a:t>
             </a:r>
             <a:r>
-              <a:rPr lang="en-US" sz="1200" dirty="0" smtClean="0"/>
+              <a:rPr lang="en-US" sz="1200" dirty="0"/>
               <a:t>}/sections/{</a:t>
             </a:r>
             <a:r>
-              <a:rPr lang="en-US" sz="1200" dirty="0" err="1" smtClean="0"/>
+              <a:rPr lang="en-US" sz="1200" dirty="0" err="1"/>
               <a:t>sectionId</a:t>
             </a:r>
             <a:r>
-              <a:rPr lang="en-US" sz="1200" dirty="0" smtClean="0"/>
+              <a:rPr lang="en-US" sz="1200" dirty="0"/>
               <a:t>}</a:t>
             </a:r>
-            <a:endParaRPr lang="en-US" sz="1200" dirty="0"/>
           </a:p>
           <a:p>
             <a:r>
@@ -4455,18 +4442,17 @@
               <a:t>presentationId</a:t>
             </a:r>
             <a:r>
-              <a:rPr lang="en-US" sz="1200" dirty="0" smtClean="0"/>
+              <a:rPr lang="en-US" sz="1200" dirty="0"/>
               <a:t>}/sections/{</a:t>
             </a:r>
             <a:r>
-              <a:rPr lang="en-US" sz="1200" dirty="0" err="1" smtClean="0"/>
+              <a:rPr lang="en-US" sz="1200" dirty="0" err="1"/>
               <a:t>sectionId</a:t>
             </a:r>
             <a:r>
-              <a:rPr lang="en-US" sz="1200" dirty="0" smtClean="0"/>
+              <a:rPr lang="en-US" sz="1200" dirty="0"/>
               <a:t>}</a:t>
             </a:r>
-            <a:endParaRPr lang="en-US" sz="1200" dirty="0"/>
           </a:p>
         </p:txBody>
       </p:sp>
@@ -4505,21 +4491,21 @@
               <a:t>POST </a:t>
             </a:r>
             <a:r>
-              <a:rPr lang="en-US" sz="1200" dirty="0" smtClean="0"/>
+              <a:rPr lang="en-US" sz="1200" dirty="0"/>
               <a:t>/</a:t>
             </a:r>
             <a:r>
-              <a:rPr lang="en-US" sz="1200" dirty="0" err="1" smtClean="0"/>
+              <a:rPr lang="en-US" sz="1200" dirty="0" err="1"/>
               <a:t>api</a:t>
             </a:r>
             <a:r>
-              <a:rPr lang="en-US" sz="1200" dirty="0" smtClean="0"/>
+              <a:rPr lang="en-US" sz="1200" dirty="0"/>
               <a:t>/author</a:t>
             </a:r>
           </a:p>
           <a:p>
             <a:r>
-              <a:rPr lang="en-US" sz="1200" b="1" dirty="0" smtClean="0">
+              <a:rPr lang="en-US" sz="1200" b="1" dirty="0">
                 <a:solidFill>
                   <a:schemeClr val="accent5"/>
                 </a:solidFill>
@@ -4527,18 +4513,17 @@
               <a:t>POST </a:t>
             </a:r>
             <a:r>
-              <a:rPr lang="en-US" sz="1200" dirty="0" smtClean="0"/>
+              <a:rPr lang="en-US" sz="1200" dirty="0"/>
               <a:t>/</a:t>
             </a:r>
             <a:r>
-              <a:rPr lang="en-US" sz="1200" dirty="0" err="1" smtClean="0"/>
+              <a:rPr lang="en-US" sz="1200" dirty="0" err="1"/>
               <a:t>api</a:t>
             </a:r>
             <a:r>
-              <a:rPr lang="en-US" sz="1200" dirty="0" smtClean="0"/>
+              <a:rPr lang="en-US" sz="1200" dirty="0"/>
               <a:t>/review</a:t>
             </a:r>
-            <a:endParaRPr lang="en-US" sz="1200" dirty="0"/>
           </a:p>
           <a:p>
             <a:r>
@@ -4554,14 +4539,13 @@
               <a:t>/</a:t>
             </a:r>
             <a:r>
-              <a:rPr lang="en-US" sz="1200" dirty="0" err="1" smtClean="0"/>
+              <a:rPr lang="en-US" sz="1200" dirty="0" err="1"/>
               <a:t>api</a:t>
             </a:r>
             <a:r>
-              <a:rPr lang="en-US" sz="1200" dirty="0" smtClean="0"/>
+              <a:rPr lang="en-US" sz="1200" dirty="0"/>
               <a:t>/submission</a:t>
             </a:r>
-            <a:endParaRPr lang="en-US" sz="1200" dirty="0"/>
           </a:p>
         </p:txBody>
       </p:sp>
@@ -4592,7 +4576,7 @@
           <a:lstStyle/>
           <a:p>
             <a:r>
-              <a:rPr lang="en-US" sz="1200" b="1" smtClean="0">
+              <a:rPr lang="en-US" sz="1200" b="1">
                 <a:solidFill>
                   <a:schemeClr val="accent3"/>
                 </a:solidFill>
@@ -4600,7 +4584,7 @@
               <a:t>GET</a:t>
             </a:r>
             <a:r>
-              <a:rPr lang="en-US" sz="1200" b="1" smtClean="0">
+              <a:rPr lang="en-US" sz="1200" b="1">
                 <a:solidFill>
                   <a:schemeClr val="accent5"/>
                 </a:solidFill>
@@ -4608,7 +4592,7 @@
               <a:t> </a:t>
             </a:r>
             <a:r>
-              <a:rPr lang="en-US" sz="1200" smtClean="0"/>
+              <a:rPr lang="en-US" sz="1200"/>
               <a:t>/web/*</a:t>
             </a:r>
             <a:endParaRPr lang="en-US" sz="1200" dirty="0"/>
@@ -4624,7 +4608,7 @@
         <p:spPr>
           <a:xfrm>
             <a:off x="3349515" y="3174459"/>
-            <a:ext cx="2916119" cy="1015663"/>
+            <a:ext cx="2118016" cy="1015663"/>
           </a:xfrm>
           <a:prstGeom prst="rect">
             <a:avLst/>
@@ -4642,7 +4626,7 @@
           <a:lstStyle/>
           <a:p>
             <a:r>
-              <a:rPr lang="en-US" sz="1200" b="1" dirty="0" smtClean="0">
+              <a:rPr lang="en-US" sz="1200" b="1" dirty="0">
                 <a:solidFill>
                   <a:schemeClr val="accent3"/>
                 </a:solidFill>
@@ -4650,7 +4634,7 @@
               <a:t>GET</a:t>
             </a:r>
             <a:r>
-              <a:rPr lang="en-US" sz="1200" b="1" dirty="0" smtClean="0">
+              <a:rPr lang="en-US" sz="1200" b="1" dirty="0">
                 <a:solidFill>
                   <a:schemeClr val="accent5"/>
                 </a:solidFill>
@@ -4658,21 +4642,21 @@
               <a:t> </a:t>
             </a:r>
             <a:r>
-              <a:rPr lang="en-US" sz="1200" dirty="0" smtClean="0"/>
+              <a:rPr lang="en-US" sz="1200" dirty="0"/>
               <a:t>/</a:t>
             </a:r>
             <a:r>
-              <a:rPr lang="en-US" sz="1200" dirty="0" err="1" smtClean="0"/>
+              <a:rPr lang="en-US" sz="1200" dirty="0" err="1"/>
               <a:t>api</a:t>
             </a:r>
             <a:r>
-              <a:rPr lang="en-US" sz="1200" dirty="0" smtClean="0"/>
+              <a:rPr lang="en-US" sz="1200" dirty="0"/>
               <a:t>/presentations</a:t>
             </a:r>
           </a:p>
           <a:p>
             <a:r>
-              <a:rPr lang="en-US" sz="1200" b="1" dirty="0" smtClean="0">
+              <a:rPr lang="en-US" sz="1200" b="1" dirty="0">
                 <a:solidFill>
                   <a:schemeClr val="accent5"/>
                 </a:solidFill>
@@ -4684,11 +4668,11 @@
               <a:t>/</a:t>
             </a:r>
             <a:r>
-              <a:rPr lang="en-US" sz="1200" dirty="0" err="1" smtClean="0"/>
+              <a:rPr lang="en-US" sz="1200" dirty="0" err="1"/>
               <a:t>api</a:t>
             </a:r>
             <a:r>
-              <a:rPr lang="en-US" sz="1200" dirty="0" smtClean="0"/>
+              <a:rPr lang="en-US" sz="1200" dirty="0"/>
               <a:t>/presentations</a:t>
             </a:r>
           </a:p>
@@ -4719,20 +4703,12 @@
             </a:r>
             <a:r>
               <a:rPr lang="en-US" sz="1200" dirty="0"/>
-              <a:t>/presentations/{</a:t>
-            </a:r>
-            <a:r>
-              <a:rPr lang="en-US" sz="1200" dirty="0" err="1" smtClean="0"/>
-              <a:t>presentationId</a:t>
-            </a:r>
-            <a:r>
-              <a:rPr lang="en-US" sz="1200" dirty="0" smtClean="0"/>
-              <a:t>}</a:t>
-            </a:r>
-          </a:p>
-          <a:p>
-            <a:r>
-              <a:rPr lang="en-US" sz="1200" b="1" dirty="0" smtClean="0">
+              <a:t>/presentations/{id}</a:t>
+            </a:r>
+          </a:p>
+          <a:p>
+            <a:r>
+              <a:rPr lang="en-US" sz="1200" b="1" dirty="0">
                 <a:solidFill>
                   <a:schemeClr val="accent3"/>
                 </a:solidFill>
@@ -4740,7 +4716,7 @@
               <a:t>GET</a:t>
             </a:r>
             <a:r>
-              <a:rPr lang="en-US" sz="1200" b="1" dirty="0" smtClean="0">
+              <a:rPr lang="en-US" sz="1200" b="1" dirty="0">
                 <a:solidFill>
                   <a:schemeClr val="accent6"/>
                 </a:solidFill>
@@ -4748,34 +4724,21 @@
               <a:t> </a:t>
             </a:r>
             <a:r>
-              <a:rPr lang="en-US" sz="1200" dirty="0" smtClean="0"/>
+              <a:rPr lang="en-US" sz="1200" dirty="0"/>
               <a:t>/</a:t>
             </a:r>
             <a:r>
-              <a:rPr lang="en-US" sz="1200" dirty="0" err="1" smtClean="0"/>
+              <a:rPr lang="en-US" sz="1200" dirty="0" err="1"/>
               <a:t>api</a:t>
             </a:r>
             <a:r>
-              <a:rPr lang="en-US" sz="1200" dirty="0" smtClean="0"/>
-              <a:t>/presentations</a:t>
-            </a:r>
-            <a:r>
               <a:rPr lang="en-US" sz="1200" dirty="0"/>
-              <a:t>/{</a:t>
-            </a:r>
-            <a:r>
-              <a:rPr lang="en-US" sz="1200" dirty="0" err="1" smtClean="0"/>
-              <a:t>presentationId</a:t>
-            </a:r>
-            <a:r>
-              <a:rPr lang="en-US" sz="1200" smtClean="0"/>
-              <a:t>}</a:t>
-            </a:r>
-            <a:endParaRPr lang="en-US" sz="1200" dirty="0" smtClean="0"/>
-          </a:p>
-          <a:p>
-            <a:r>
-              <a:rPr lang="en-US" sz="1200" b="1" dirty="0" smtClean="0">
+              <a:t>/presentations/{id}</a:t>
+            </a:r>
+          </a:p>
+          <a:p>
+            <a:r>
+              <a:rPr lang="en-US" sz="1200" b="1" dirty="0">
                 <a:solidFill>
                   <a:schemeClr val="accent2"/>
                 </a:solidFill>
@@ -4783,7 +4746,7 @@
               <a:t>DELETE</a:t>
             </a:r>
             <a:r>
-              <a:rPr lang="en-US" sz="1200" b="1" dirty="0" smtClean="0">
+              <a:rPr lang="en-US" sz="1200" b="1" dirty="0">
                 <a:solidFill>
                   <a:schemeClr val="accent3"/>
                 </a:solidFill>
@@ -4800,17 +4763,8 @@
             </a:r>
             <a:r>
               <a:rPr lang="en-US" sz="1200" dirty="0"/>
-              <a:t>/presentations/{</a:t>
-            </a:r>
-            <a:r>
-              <a:rPr lang="en-US" sz="1200" dirty="0" err="1"/>
-              <a:t>presentationId</a:t>
-            </a:r>
-            <a:r>
-              <a:rPr lang="en-US" sz="1200" dirty="0" smtClean="0"/>
-              <a:t>}</a:t>
-            </a:r>
-            <a:endParaRPr lang="en-US" sz="1200" dirty="0"/>
+              <a:t>/presentations/{id}</a:t>
+            </a:r>
           </a:p>
         </p:txBody>
       </p:sp>

--- a/images/backendUIOverview.pptx
+++ b/images/backendUIOverview.pptx
@@ -212,7 +212,7 @@
             <a:fld id="{5D8FA8FF-20DC-44E5-8C35-13EAF0A5698C}" type="datetimeFigureOut">
               <a:rPr lang="en-SG" smtClean="0"/>
               <a:pPr/>
-              <a:t>9/9/2019</a:t>
+              <a:t>13/11/2019</a:t>
             </a:fld>
             <a:endParaRPr lang="en-SG"/>
           </a:p>
@@ -661,7 +661,7 @@
             <a:fld id="{1D8BD707-D9CF-40AE-B4C6-C98DA3205C09}" type="datetimeFigureOut">
               <a:rPr lang="en-US" smtClean="0"/>
               <a:pPr/>
-              <a:t>9/9/2019</a:t>
+              <a:t>11/13/2019</a:t>
             </a:fld>
             <a:endParaRPr lang="en-US"/>
           </a:p>
@@ -826,7 +826,7 @@
             <a:fld id="{1D8BD707-D9CF-40AE-B4C6-C98DA3205C09}" type="datetimeFigureOut">
               <a:rPr lang="en-US" smtClean="0"/>
               <a:pPr/>
-              <a:t>9/9/2019</a:t>
+              <a:t>11/13/2019</a:t>
             </a:fld>
             <a:endParaRPr lang="en-US"/>
           </a:p>
@@ -1001,7 +1001,7 @@
             <a:fld id="{1D8BD707-D9CF-40AE-B4C6-C98DA3205C09}" type="datetimeFigureOut">
               <a:rPr lang="en-US" smtClean="0"/>
               <a:pPr/>
-              <a:t>9/9/2019</a:t>
+              <a:t>11/13/2019</a:t>
             </a:fld>
             <a:endParaRPr lang="en-US"/>
           </a:p>
@@ -1166,7 +1166,7 @@
             <a:fld id="{1D8BD707-D9CF-40AE-B4C6-C98DA3205C09}" type="datetimeFigureOut">
               <a:rPr lang="en-US" smtClean="0"/>
               <a:pPr/>
-              <a:t>9/9/2019</a:t>
+              <a:t>11/13/2019</a:t>
             </a:fld>
             <a:endParaRPr lang="en-US"/>
           </a:p>
@@ -1408,7 +1408,7 @@
             <a:fld id="{1D8BD707-D9CF-40AE-B4C6-C98DA3205C09}" type="datetimeFigureOut">
               <a:rPr lang="en-US" smtClean="0"/>
               <a:pPr/>
-              <a:t>9/9/2019</a:t>
+              <a:t>11/13/2019</a:t>
             </a:fld>
             <a:endParaRPr lang="en-US"/>
           </a:p>
@@ -1690,7 +1690,7 @@
             <a:fld id="{1D8BD707-D9CF-40AE-B4C6-C98DA3205C09}" type="datetimeFigureOut">
               <a:rPr lang="en-US" smtClean="0"/>
               <a:pPr/>
-              <a:t>9/9/2019</a:t>
+              <a:t>11/13/2019</a:t>
             </a:fld>
             <a:endParaRPr lang="en-US"/>
           </a:p>
@@ -2106,7 +2106,7 @@
             <a:fld id="{1D8BD707-D9CF-40AE-B4C6-C98DA3205C09}" type="datetimeFigureOut">
               <a:rPr lang="en-US" smtClean="0"/>
               <a:pPr/>
-              <a:t>9/9/2019</a:t>
+              <a:t>11/13/2019</a:t>
             </a:fld>
             <a:endParaRPr lang="en-US"/>
           </a:p>
@@ -2220,7 +2220,7 @@
             <a:fld id="{1D8BD707-D9CF-40AE-B4C6-C98DA3205C09}" type="datetimeFigureOut">
               <a:rPr lang="en-US" smtClean="0"/>
               <a:pPr/>
-              <a:t>9/9/2019</a:t>
+              <a:t>11/13/2019</a:t>
             </a:fld>
             <a:endParaRPr lang="en-US"/>
           </a:p>
@@ -2312,7 +2312,7 @@
             <a:fld id="{1D8BD707-D9CF-40AE-B4C6-C98DA3205C09}" type="datetimeFigureOut">
               <a:rPr lang="en-US" smtClean="0"/>
               <a:pPr/>
-              <a:t>9/9/2019</a:t>
+              <a:t>11/13/2019</a:t>
             </a:fld>
             <a:endParaRPr lang="en-US"/>
           </a:p>
@@ -2584,7 +2584,7 @@
             <a:fld id="{1D8BD707-D9CF-40AE-B4C6-C98DA3205C09}" type="datetimeFigureOut">
               <a:rPr lang="en-US" smtClean="0"/>
               <a:pPr/>
-              <a:t>9/9/2019</a:t>
+              <a:t>11/13/2019</a:t>
             </a:fld>
             <a:endParaRPr lang="en-US"/>
           </a:p>
@@ -2833,7 +2833,7 @@
             <a:fld id="{1D8BD707-D9CF-40AE-B4C6-C98DA3205C09}" type="datetimeFigureOut">
               <a:rPr lang="en-US" smtClean="0"/>
               <a:pPr/>
-              <a:t>9/9/2019</a:t>
+              <a:t>11/13/2019</a:t>
             </a:fld>
             <a:endParaRPr lang="en-US"/>
           </a:p>
@@ -3041,7 +3041,7 @@
             <a:fld id="{1D8BD707-D9CF-40AE-B4C6-C98DA3205C09}" type="datetimeFigureOut">
               <a:rPr lang="en-US" smtClean="0"/>
               <a:pPr/>
-              <a:t>9/9/2019</a:t>
+              <a:t>11/13/2019</a:t>
             </a:fld>
             <a:endParaRPr lang="en-US"/>
           </a:p>
@@ -4764,6 +4764,65 @@
             <a:r>
               <a:rPr lang="en-US" sz="1200" dirty="0"/>
               <a:t>/presentations/{id}</a:t>
+            </a:r>
+          </a:p>
+        </p:txBody>
+      </p:sp>
+      <p:sp>
+        <p:nvSpPr>
+          <p:cNvPr id="18" name="TextBox 17">
+            <a:extLst>
+              <a:ext uri="{FF2B5EF4-FFF2-40B4-BE49-F238E27FC236}">
+                <a16:creationId xmlns:a16="http://schemas.microsoft.com/office/drawing/2014/main" id="{DA3367F3-6011-4839-AE5F-241E4F229512}"/>
+              </a:ext>
+            </a:extLst>
+          </p:cNvPr>
+          <p:cNvSpPr txBox="1"/>
+          <p:nvPr/>
+        </p:nvSpPr>
+        <p:spPr>
+          <a:xfrm>
+            <a:off x="1559135" y="582020"/>
+            <a:ext cx="4390817" cy="353943"/>
+          </a:xfrm>
+          <a:prstGeom prst="rect">
+            <a:avLst/>
+          </a:prstGeom>
+          <a:noFill/>
+        </p:spPr>
+        <p:txBody>
+          <a:bodyPr wrap="none" rtlCol="0">
+            <a:spAutoFit/>
+          </a:bodyPr>
+          <a:lstStyle/>
+          <a:p>
+            <a:r>
+              <a:rPr lang="en-US" b="1" dirty="0">
+                <a:solidFill>
+                  <a:schemeClr val="accent5"/>
+                </a:solidFill>
+              </a:rPr>
+              <a:t>POST</a:t>
+            </a:r>
+            <a:r>
+              <a:rPr lang="en-US" dirty="0">
+                <a:solidFill>
+                  <a:schemeClr val="accent5"/>
+                </a:solidFill>
+              </a:rPr>
+              <a:t> </a:t>
+            </a:r>
+            <a:r>
+              <a:rPr lang="en-US" dirty="0"/>
+              <a:t>/</a:t>
+            </a:r>
+            <a:r>
+              <a:rPr lang="en-US" dirty="0" err="1"/>
+              <a:t>api</a:t>
+            </a:r>
+            <a:r>
+              <a:rPr lang="en-US" dirty="0"/>
+              <a:t>/presentations/{id}/analysis/coauthor</a:t>
             </a:r>
           </a:p>
         </p:txBody>

--- a/images/backendUIOverview.pptx
+++ b/images/backendUIOverview.pptx
@@ -212,7 +212,7 @@
             <a:fld id="{5D8FA8FF-20DC-44E5-8C35-13EAF0A5698C}" type="datetimeFigureOut">
               <a:rPr lang="en-SG" smtClean="0"/>
               <a:pPr/>
-              <a:t>13/11/2019</a:t>
+              <a:t>13/11/19</a:t>
             </a:fld>
             <a:endParaRPr lang="en-SG"/>
           </a:p>
@@ -661,7 +661,7 @@
             <a:fld id="{1D8BD707-D9CF-40AE-B4C6-C98DA3205C09}" type="datetimeFigureOut">
               <a:rPr lang="en-US" smtClean="0"/>
               <a:pPr/>
-              <a:t>11/13/2019</a:t>
+              <a:t>11/13/19</a:t>
             </a:fld>
             <a:endParaRPr lang="en-US"/>
           </a:p>
@@ -826,7 +826,7 @@
             <a:fld id="{1D8BD707-D9CF-40AE-B4C6-C98DA3205C09}" type="datetimeFigureOut">
               <a:rPr lang="en-US" smtClean="0"/>
               <a:pPr/>
-              <a:t>11/13/2019</a:t>
+              <a:t>11/13/19</a:t>
             </a:fld>
             <a:endParaRPr lang="en-US"/>
           </a:p>
@@ -1001,7 +1001,7 @@
             <a:fld id="{1D8BD707-D9CF-40AE-B4C6-C98DA3205C09}" type="datetimeFigureOut">
               <a:rPr lang="en-US" smtClean="0"/>
               <a:pPr/>
-              <a:t>11/13/2019</a:t>
+              <a:t>11/13/19</a:t>
             </a:fld>
             <a:endParaRPr lang="en-US"/>
           </a:p>
@@ -1166,7 +1166,7 @@
             <a:fld id="{1D8BD707-D9CF-40AE-B4C6-C98DA3205C09}" type="datetimeFigureOut">
               <a:rPr lang="en-US" smtClean="0"/>
               <a:pPr/>
-              <a:t>11/13/2019</a:t>
+              <a:t>11/13/19</a:t>
             </a:fld>
             <a:endParaRPr lang="en-US"/>
           </a:p>
@@ -1408,7 +1408,7 @@
             <a:fld id="{1D8BD707-D9CF-40AE-B4C6-C98DA3205C09}" type="datetimeFigureOut">
               <a:rPr lang="en-US" smtClean="0"/>
               <a:pPr/>
-              <a:t>11/13/2019</a:t>
+              <a:t>11/13/19</a:t>
             </a:fld>
             <a:endParaRPr lang="en-US"/>
           </a:p>
@@ -1690,7 +1690,7 @@
             <a:fld id="{1D8BD707-D9CF-40AE-B4C6-C98DA3205C09}" type="datetimeFigureOut">
               <a:rPr lang="en-US" smtClean="0"/>
               <a:pPr/>
-              <a:t>11/13/2019</a:t>
+              <a:t>11/13/19</a:t>
             </a:fld>
             <a:endParaRPr lang="en-US"/>
           </a:p>
@@ -2106,7 +2106,7 @@
             <a:fld id="{1D8BD707-D9CF-40AE-B4C6-C98DA3205C09}" type="datetimeFigureOut">
               <a:rPr lang="en-US" smtClean="0"/>
               <a:pPr/>
-              <a:t>11/13/2019</a:t>
+              <a:t>11/13/19</a:t>
             </a:fld>
             <a:endParaRPr lang="en-US"/>
           </a:p>
@@ -2220,7 +2220,7 @@
             <a:fld id="{1D8BD707-D9CF-40AE-B4C6-C98DA3205C09}" type="datetimeFigureOut">
               <a:rPr lang="en-US" smtClean="0"/>
               <a:pPr/>
-              <a:t>11/13/2019</a:t>
+              <a:t>11/13/19</a:t>
             </a:fld>
             <a:endParaRPr lang="en-US"/>
           </a:p>
@@ -2312,7 +2312,7 @@
             <a:fld id="{1D8BD707-D9CF-40AE-B4C6-C98DA3205C09}" type="datetimeFigureOut">
               <a:rPr lang="en-US" smtClean="0"/>
               <a:pPr/>
-              <a:t>11/13/2019</a:t>
+              <a:t>11/13/19</a:t>
             </a:fld>
             <a:endParaRPr lang="en-US"/>
           </a:p>
@@ -2584,7 +2584,7 @@
             <a:fld id="{1D8BD707-D9CF-40AE-B4C6-C98DA3205C09}" type="datetimeFigureOut">
               <a:rPr lang="en-US" smtClean="0"/>
               <a:pPr/>
-              <a:t>11/13/2019</a:t>
+              <a:t>11/13/19</a:t>
             </a:fld>
             <a:endParaRPr lang="en-US"/>
           </a:p>
@@ -2833,7 +2833,7 @@
             <a:fld id="{1D8BD707-D9CF-40AE-B4C6-C98DA3205C09}" type="datetimeFigureOut">
               <a:rPr lang="en-US" smtClean="0"/>
               <a:pPr/>
-              <a:t>11/13/2019</a:t>
+              <a:t>11/13/19</a:t>
             </a:fld>
             <a:endParaRPr lang="en-US"/>
           </a:p>
@@ -3041,7 +3041,7 @@
             <a:fld id="{1D8BD707-D9CF-40AE-B4C6-C98DA3205C09}" type="datetimeFigureOut">
               <a:rPr lang="en-US" smtClean="0"/>
               <a:pPr/>
-              <a:t>11/13/2019</a:t>
+              <a:t>11/13/19</a:t>
             </a:fld>
             <a:endParaRPr lang="en-US"/>
           </a:p>
@@ -3414,6 +3414,215 @@
       </p:grpSpPr>
       <p:sp>
         <p:nvSpPr>
+          <p:cNvPr id="19" name="TextBox 18">
+            <a:extLst>
+              <a:ext uri="{FF2B5EF4-FFF2-40B4-BE49-F238E27FC236}">
+                <a16:creationId xmlns:a16="http://schemas.microsoft.com/office/drawing/2014/main" id="{31FF0AEC-6734-B347-99C3-8DB6BC55AFCF}"/>
+              </a:ext>
+            </a:extLst>
+          </p:cNvPr>
+          <p:cNvSpPr txBox="1"/>
+          <p:nvPr/>
+        </p:nvSpPr>
+        <p:spPr>
+          <a:xfrm>
+            <a:off x="3666057" y="4642829"/>
+            <a:ext cx="2703689" cy="1015663"/>
+          </a:xfrm>
+          <a:prstGeom prst="rect">
+            <a:avLst/>
+          </a:prstGeom>
+          <a:solidFill>
+            <a:srgbClr val="FFFFFF">
+              <a:alpha val="50196"/>
+            </a:srgbClr>
+          </a:solidFill>
+        </p:spPr>
+        <p:txBody>
+          <a:bodyPr wrap="none" rtlCol="0">
+            <a:spAutoFit/>
+          </a:bodyPr>
+          <a:lstStyle/>
+          <a:p>
+            <a:r>
+              <a:rPr lang="en-US" sz="1200" b="1" dirty="0">
+                <a:solidFill>
+                  <a:schemeClr val="accent3"/>
+                </a:solidFill>
+              </a:rPr>
+              <a:t>GET</a:t>
+            </a:r>
+            <a:r>
+              <a:rPr lang="en-US" sz="1200" b="1" dirty="0">
+                <a:solidFill>
+                  <a:schemeClr val="accent5"/>
+                </a:solidFill>
+              </a:rPr>
+              <a:t> </a:t>
+            </a:r>
+            <a:r>
+              <a:rPr lang="en-US" sz="1200" dirty="0"/>
+              <a:t>/</a:t>
+            </a:r>
+            <a:r>
+              <a:rPr lang="en-US" sz="1200" dirty="0" err="1"/>
+              <a:t>api</a:t>
+            </a:r>
+            <a:r>
+              <a:rPr lang="en-US" sz="1200" dirty="0"/>
+              <a:t>/record/</a:t>
+            </a:r>
+            <a:r>
+              <a:rPr lang="en-US" sz="1200" dirty="0" err="1"/>
+              <a:t>record_groups</a:t>
+            </a:r>
+            <a:endParaRPr lang="en-US" sz="1200" dirty="0"/>
+          </a:p>
+          <a:p>
+            <a:r>
+              <a:rPr lang="en-US" sz="1200" b="1" dirty="0">
+                <a:solidFill>
+                  <a:schemeClr val="accent5"/>
+                </a:solidFill>
+              </a:rPr>
+              <a:t>POST </a:t>
+            </a:r>
+            <a:r>
+              <a:rPr lang="en-US" sz="1200" dirty="0"/>
+              <a:t>/</a:t>
+            </a:r>
+            <a:r>
+              <a:rPr lang="en-US" sz="1200" dirty="0" err="1"/>
+              <a:t>api</a:t>
+            </a:r>
+            <a:r>
+              <a:rPr lang="en-US" sz="1200" dirty="0"/>
+              <a:t>/record/</a:t>
+            </a:r>
+            <a:r>
+              <a:rPr lang="en-US" sz="1200" dirty="0" err="1"/>
+              <a:t>record_groups</a:t>
+            </a:r>
+            <a:endParaRPr lang="en-US" sz="1200" dirty="0"/>
+          </a:p>
+          <a:p>
+            <a:r>
+              <a:rPr lang="en-US" sz="1200" b="1" dirty="0">
+                <a:solidFill>
+                  <a:schemeClr val="accent6"/>
+                </a:solidFill>
+              </a:rPr>
+              <a:t>PUT</a:t>
+            </a:r>
+            <a:r>
+              <a:rPr lang="en-US" sz="1200" b="1" dirty="0">
+                <a:solidFill>
+                  <a:schemeClr val="accent3"/>
+                </a:solidFill>
+              </a:rPr>
+              <a:t> </a:t>
+            </a:r>
+            <a:r>
+              <a:rPr lang="en-US" sz="1200" dirty="0"/>
+              <a:t>/</a:t>
+            </a:r>
+            <a:r>
+              <a:rPr lang="en-US" sz="1200" dirty="0" err="1"/>
+              <a:t>api</a:t>
+            </a:r>
+            <a:r>
+              <a:rPr lang="en-US" sz="1200" dirty="0"/>
+              <a:t>/record/</a:t>
+            </a:r>
+            <a:r>
+              <a:rPr lang="en-US" sz="1200" dirty="0" err="1"/>
+              <a:t>record_groups</a:t>
+            </a:r>
+            <a:r>
+              <a:rPr lang="en-US" sz="1200" dirty="0"/>
+              <a:t> /{id}</a:t>
+            </a:r>
+          </a:p>
+          <a:p>
+            <a:r>
+              <a:rPr lang="en-US" sz="1200" b="1" dirty="0">
+                <a:solidFill>
+                  <a:schemeClr val="accent3"/>
+                </a:solidFill>
+              </a:rPr>
+              <a:t>GET</a:t>
+            </a:r>
+            <a:r>
+              <a:rPr lang="en-US" sz="1200" b="1" dirty="0">
+                <a:solidFill>
+                  <a:schemeClr val="accent6"/>
+                </a:solidFill>
+              </a:rPr>
+              <a:t> </a:t>
+            </a:r>
+            <a:r>
+              <a:rPr lang="en-US" sz="1200" dirty="0"/>
+              <a:t>/</a:t>
+            </a:r>
+            <a:r>
+              <a:rPr lang="en-US" sz="1200" dirty="0" err="1"/>
+              <a:t>api</a:t>
+            </a:r>
+            <a:r>
+              <a:rPr lang="en-US" sz="1200" dirty="0"/>
+              <a:t>/record/</a:t>
+            </a:r>
+            <a:r>
+              <a:rPr lang="en-US" sz="1200" dirty="0" err="1"/>
+              <a:t>record_groups</a:t>
+            </a:r>
+            <a:r>
+              <a:rPr lang="en-US" sz="1200" dirty="0"/>
+              <a:t> /{id}</a:t>
+            </a:r>
+          </a:p>
+          <a:p>
+            <a:r>
+              <a:rPr lang="en-US" sz="1200" b="1" dirty="0">
+                <a:solidFill>
+                  <a:schemeClr val="accent2"/>
+                </a:solidFill>
+              </a:rPr>
+              <a:t>DELETE</a:t>
+            </a:r>
+            <a:r>
+              <a:rPr lang="en-US" sz="1200" b="1" dirty="0">
+                <a:solidFill>
+                  <a:schemeClr val="accent3"/>
+                </a:solidFill>
+              </a:rPr>
+              <a:t> </a:t>
+            </a:r>
+            <a:r>
+              <a:rPr lang="en-US" sz="1200" dirty="0"/>
+              <a:t>/</a:t>
+            </a:r>
+            <a:r>
+              <a:rPr lang="en-US" sz="1200" dirty="0" err="1"/>
+              <a:t>api</a:t>
+            </a:r>
+            <a:r>
+              <a:rPr lang="en-US" sz="1200" dirty="0"/>
+              <a:t>/record/</a:t>
+            </a:r>
+            <a:r>
+              <a:rPr lang="en-US" sz="1200" dirty="0" err="1"/>
+              <a:t>record_groups</a:t>
+            </a:r>
+            <a:r>
+              <a:rPr lang="en-US" sz="1200" dirty="0"/>
+              <a:t> /{id}</a:t>
+            </a:r>
+          </a:p>
+        </p:txBody>
+      </p:sp>
+      <p:sp>
+        <p:nvSpPr>
           <p:cNvPr id="4" name="Rounded Rectangle 3"/>
           <p:cNvSpPr/>
           <p:nvPr/>
@@ -4464,8 +4673,8 @@
         </p:nvSpPr>
         <p:spPr>
           <a:xfrm>
-            <a:off x="4594653" y="4761989"/>
-            <a:ext cx="1554528" cy="646331"/>
+            <a:off x="631316" y="4827494"/>
+            <a:ext cx="3123227" cy="646331"/>
           </a:xfrm>
           <a:prstGeom prst="rect">
             <a:avLst/>
@@ -4500,7 +4709,15 @@
             </a:r>
             <a:r>
               <a:rPr lang="en-US" sz="1200" dirty="0"/>
-              <a:t>/author</a:t>
+              <a:t>/record/author/{</a:t>
+            </a:r>
+            <a:r>
+              <a:rPr lang="en-US" sz="1200" dirty="0" err="1"/>
+              <a:t>recordGroupId</a:t>
+            </a:r>
+            <a:r>
+              <a:rPr lang="en-US" sz="1200" dirty="0"/>
+              <a:t>}</a:t>
             </a:r>
           </a:p>
           <a:p>
@@ -4522,7 +4739,15 @@
             </a:r>
             <a:r>
               <a:rPr lang="en-US" sz="1200" dirty="0"/>
-              <a:t>/review</a:t>
+              <a:t>/record/review/{</a:t>
+            </a:r>
+            <a:r>
+              <a:rPr lang="en-US" sz="1200" dirty="0" err="1"/>
+              <a:t>recordGroupId</a:t>
+            </a:r>
+            <a:r>
+              <a:rPr lang="en-US" sz="1200" dirty="0"/>
+              <a:t>}</a:t>
             </a:r>
           </a:p>
           <a:p>
@@ -4544,7 +4769,15 @@
             </a:r>
             <a:r>
               <a:rPr lang="en-US" sz="1200" dirty="0"/>
-              <a:t>/submission</a:t>
+              <a:t>/record/submission/{</a:t>
+            </a:r>
+            <a:r>
+              <a:rPr lang="en-US" sz="1200" dirty="0" err="1"/>
+              <a:t>recordGroupId</a:t>
+            </a:r>
+            <a:r>
+              <a:rPr lang="en-US" sz="1200" dirty="0"/>
+              <a:t>}</a:t>
             </a:r>
           </a:p>
         </p:txBody>

--- a/images/backendUIOverview.pptx
+++ b/images/backendUIOverview.pptx
@@ -10,7 +10,7 @@
   <p:sldIdLst>
     <p:sldId id="257" r:id="rId2"/>
   </p:sldIdLst>
-  <p:sldSz cx="8640763" cy="6300788"/>
+  <p:sldSz cx="8640763" cy="7380288"/>
   <p:notesSz cx="6797675" cy="9872663"/>
   <p:custDataLst>
     <p:tags r:id="rId4"/>
@@ -113,12 +113,12 @@
   <p:extLst>
     <p:ext uri="{EFAFB233-063F-42B5-8137-9DF3F51BA10A}">
       <p15:sldGuideLst xmlns:p15="http://schemas.microsoft.com/office/powerpoint/2012/main">
-        <p15:guide id="1" orient="horz" pos="1985">
+        <p15:guide id="1" orient="horz" pos="2325" userDrawn="1">
           <p15:clr>
             <a:srgbClr val="A4A3A4"/>
           </p15:clr>
         </p15:guide>
-        <p15:guide id="2" pos="2722">
+        <p15:guide id="2" pos="2722" userDrawn="1">
           <p15:clr>
             <a:srgbClr val="A4A3A4"/>
           </p15:clr>
@@ -230,8 +230,8 @@
         </p:nvSpPr>
         <p:spPr>
           <a:xfrm>
-            <a:off x="860425" y="739775"/>
-            <a:ext cx="5076825" cy="3703638"/>
+            <a:off x="1230313" y="739775"/>
+            <a:ext cx="4337050" cy="3703638"/>
           </a:xfrm>
           <a:prstGeom prst="rect">
             <a:avLst/>
@@ -510,8 +510,8 @@
         </p:nvSpPr>
         <p:spPr>
           <a:xfrm>
-            <a:off x="648057" y="1957328"/>
-            <a:ext cx="7344649" cy="1350586"/>
+            <a:off x="648062" y="2292673"/>
+            <a:ext cx="7344649" cy="1581979"/>
           </a:xfrm>
         </p:spPr>
         <p:txBody>
@@ -537,8 +537,8 @@
         </p:nvSpPr>
         <p:spPr>
           <a:xfrm>
-            <a:off x="1296115" y="3570447"/>
-            <a:ext cx="6048534" cy="1610201"/>
+            <a:off x="1296115" y="4182164"/>
+            <a:ext cx="6048534" cy="1886073"/>
           </a:xfrm>
         </p:spPr>
         <p:txBody>
@@ -554,7 +554,7 @@
                 </a:solidFill>
               </a:defRPr>
             </a:lvl1pPr>
-            <a:lvl2pPr marL="426888" indent="0" algn="ctr">
+            <a:lvl2pPr marL="426895" indent="0" algn="ctr">
               <a:buNone/>
               <a:defRPr>
                 <a:solidFill>
@@ -564,7 +564,7 @@
                 </a:solidFill>
               </a:defRPr>
             </a:lvl2pPr>
-            <a:lvl3pPr marL="853775" indent="0" algn="ctr">
+            <a:lvl3pPr marL="853789" indent="0" algn="ctr">
               <a:buNone/>
               <a:defRPr>
                 <a:solidFill>
@@ -574,7 +574,7 @@
                 </a:solidFill>
               </a:defRPr>
             </a:lvl3pPr>
-            <a:lvl4pPr marL="1280663" indent="0" algn="ctr">
+            <a:lvl4pPr marL="1280685" indent="0" algn="ctr">
               <a:buNone/>
               <a:defRPr>
                 <a:solidFill>
@@ -584,7 +584,7 @@
                 </a:solidFill>
               </a:defRPr>
             </a:lvl4pPr>
-            <a:lvl5pPr marL="1707551" indent="0" algn="ctr">
+            <a:lvl5pPr marL="1707580" indent="0" algn="ctr">
               <a:buNone/>
               <a:defRPr>
                 <a:solidFill>
@@ -594,7 +594,7 @@
                 </a:solidFill>
               </a:defRPr>
             </a:lvl5pPr>
-            <a:lvl6pPr marL="2134438" indent="0" algn="ctr">
+            <a:lvl6pPr marL="2134474" indent="0" algn="ctr">
               <a:buNone/>
               <a:defRPr>
                 <a:solidFill>
@@ -604,7 +604,7 @@
                 </a:solidFill>
               </a:defRPr>
             </a:lvl6pPr>
-            <a:lvl7pPr marL="2561326" indent="0" algn="ctr">
+            <a:lvl7pPr marL="2561370" indent="0" algn="ctr">
               <a:buNone/>
               <a:defRPr>
                 <a:solidFill>
@@ -614,7 +614,7 @@
                 </a:solidFill>
               </a:defRPr>
             </a:lvl7pPr>
-            <a:lvl8pPr marL="2988213" indent="0" algn="ctr">
+            <a:lvl8pPr marL="2988264" indent="0" algn="ctr">
               <a:buNone/>
               <a:defRPr>
                 <a:solidFill>
@@ -624,7 +624,7 @@
                 </a:solidFill>
               </a:defRPr>
             </a:lvl8pPr>
-            <a:lvl9pPr marL="3415101" indent="0" algn="ctr">
+            <a:lvl9pPr marL="3415159" indent="0" algn="ctr">
               <a:buNone/>
               <a:defRPr>
                 <a:solidFill>
@@ -912,8 +912,8 @@
         </p:nvSpPr>
         <p:spPr>
           <a:xfrm>
-            <a:off x="6264553" y="252324"/>
-            <a:ext cx="1944172" cy="5376089"/>
+            <a:off x="6264553" y="295557"/>
+            <a:ext cx="1944172" cy="6297162"/>
           </a:xfrm>
         </p:spPr>
         <p:txBody>
@@ -939,8 +939,8 @@
         </p:nvSpPr>
         <p:spPr>
           <a:xfrm>
-            <a:off x="432038" y="252324"/>
-            <a:ext cx="5688502" cy="5376089"/>
+            <a:off x="432038" y="295557"/>
+            <a:ext cx="5688502" cy="6297162"/>
           </a:xfrm>
         </p:spPr>
         <p:txBody>
@@ -1252,8 +1252,8 @@
         </p:nvSpPr>
         <p:spPr>
           <a:xfrm>
-            <a:off x="682561" y="4048840"/>
-            <a:ext cx="7344649" cy="1251407"/>
+            <a:off x="682566" y="4742519"/>
+            <a:ext cx="7344649" cy="1465808"/>
           </a:xfrm>
         </p:spPr>
         <p:txBody>
@@ -1283,8 +1283,8 @@
         </p:nvSpPr>
         <p:spPr>
           <a:xfrm>
-            <a:off x="682561" y="2670543"/>
-            <a:ext cx="7344649" cy="1378297"/>
+            <a:off x="682566" y="3128084"/>
+            <a:ext cx="7344649" cy="1614438"/>
           </a:xfrm>
         </p:spPr>
         <p:txBody>
@@ -1300,7 +1300,7 @@
                 </a:solidFill>
               </a:defRPr>
             </a:lvl1pPr>
-            <a:lvl2pPr marL="426888" indent="0">
+            <a:lvl2pPr marL="426895" indent="0">
               <a:buNone/>
               <a:defRPr sz="1700">
                 <a:solidFill>
@@ -1310,7 +1310,7 @@
                 </a:solidFill>
               </a:defRPr>
             </a:lvl2pPr>
-            <a:lvl3pPr marL="853775" indent="0">
+            <a:lvl3pPr marL="853789" indent="0">
               <a:buNone/>
               <a:defRPr sz="1500">
                 <a:solidFill>
@@ -1320,7 +1320,7 @@
                 </a:solidFill>
               </a:defRPr>
             </a:lvl3pPr>
-            <a:lvl4pPr marL="1280663" indent="0">
+            <a:lvl4pPr marL="1280685" indent="0">
               <a:buNone/>
               <a:defRPr sz="1300">
                 <a:solidFill>
@@ -1330,7 +1330,7 @@
                 </a:solidFill>
               </a:defRPr>
             </a:lvl4pPr>
-            <a:lvl5pPr marL="1707551" indent="0">
+            <a:lvl5pPr marL="1707580" indent="0">
               <a:buNone/>
               <a:defRPr sz="1300">
                 <a:solidFill>
@@ -1340,7 +1340,7 @@
                 </a:solidFill>
               </a:defRPr>
             </a:lvl5pPr>
-            <a:lvl6pPr marL="2134438" indent="0">
+            <a:lvl6pPr marL="2134474" indent="0">
               <a:buNone/>
               <a:defRPr sz="1300">
                 <a:solidFill>
@@ -1350,7 +1350,7 @@
                 </a:solidFill>
               </a:defRPr>
             </a:lvl6pPr>
-            <a:lvl7pPr marL="2561326" indent="0">
+            <a:lvl7pPr marL="2561370" indent="0">
               <a:buNone/>
               <a:defRPr sz="1300">
                 <a:solidFill>
@@ -1360,7 +1360,7 @@
                 </a:solidFill>
               </a:defRPr>
             </a:lvl7pPr>
-            <a:lvl8pPr marL="2988213" indent="0">
+            <a:lvl8pPr marL="2988264" indent="0">
               <a:buNone/>
               <a:defRPr sz="1300">
                 <a:solidFill>
@@ -1370,7 +1370,7 @@
                 </a:solidFill>
               </a:defRPr>
             </a:lvl8pPr>
-            <a:lvl9pPr marL="3415101" indent="0">
+            <a:lvl9pPr marL="3415159" indent="0">
               <a:buNone/>
               <a:defRPr sz="1300">
                 <a:solidFill>
@@ -1516,8 +1516,8 @@
         </p:nvSpPr>
         <p:spPr>
           <a:xfrm>
-            <a:off x="432038" y="1470184"/>
-            <a:ext cx="3816337" cy="4158229"/>
+            <a:off x="432040" y="1722069"/>
+            <a:ext cx="3816337" cy="4870649"/>
           </a:xfrm>
         </p:spPr>
         <p:txBody>
@@ -1600,8 +1600,8 @@
         </p:nvSpPr>
         <p:spPr>
           <a:xfrm>
-            <a:off x="4392388" y="1470184"/>
-            <a:ext cx="3816337" cy="4158229"/>
+            <a:off x="4392393" y="1722069"/>
+            <a:ext cx="3816337" cy="4870649"/>
           </a:xfrm>
         </p:spPr>
         <p:txBody>
@@ -1802,8 +1802,8 @@
         </p:nvSpPr>
         <p:spPr>
           <a:xfrm>
-            <a:off x="432038" y="1410385"/>
-            <a:ext cx="3817838" cy="587781"/>
+            <a:off x="432038" y="1652026"/>
+            <a:ext cx="3817838" cy="688484"/>
           </a:xfrm>
         </p:spPr>
         <p:txBody>
@@ -1813,35 +1813,35 @@
               <a:buNone/>
               <a:defRPr sz="2200" b="1"/>
             </a:lvl1pPr>
-            <a:lvl2pPr marL="426888" indent="0">
+            <a:lvl2pPr marL="426895" indent="0">
               <a:buNone/>
               <a:defRPr sz="1900" b="1"/>
             </a:lvl2pPr>
-            <a:lvl3pPr marL="853775" indent="0">
+            <a:lvl3pPr marL="853789" indent="0">
               <a:buNone/>
               <a:defRPr sz="1700" b="1"/>
             </a:lvl3pPr>
-            <a:lvl4pPr marL="1280663" indent="0">
+            <a:lvl4pPr marL="1280685" indent="0">
               <a:buNone/>
               <a:defRPr sz="1500" b="1"/>
             </a:lvl4pPr>
-            <a:lvl5pPr marL="1707551" indent="0">
+            <a:lvl5pPr marL="1707580" indent="0">
               <a:buNone/>
               <a:defRPr sz="1500" b="1"/>
             </a:lvl5pPr>
-            <a:lvl6pPr marL="2134438" indent="0">
+            <a:lvl6pPr marL="2134474" indent="0">
               <a:buNone/>
               <a:defRPr sz="1500" b="1"/>
             </a:lvl6pPr>
-            <a:lvl7pPr marL="2561326" indent="0">
+            <a:lvl7pPr marL="2561370" indent="0">
               <a:buNone/>
               <a:defRPr sz="1500" b="1"/>
             </a:lvl7pPr>
-            <a:lvl8pPr marL="2988213" indent="0">
+            <a:lvl8pPr marL="2988264" indent="0">
               <a:buNone/>
               <a:defRPr sz="1500" b="1"/>
             </a:lvl8pPr>
-            <a:lvl9pPr marL="3415101" indent="0">
+            <a:lvl9pPr marL="3415159" indent="0">
               <a:buNone/>
               <a:defRPr sz="1500" b="1"/>
             </a:lvl9pPr>
@@ -1867,8 +1867,8 @@
         </p:nvSpPr>
         <p:spPr>
           <a:xfrm>
-            <a:off x="432038" y="1998167"/>
-            <a:ext cx="3817838" cy="3630246"/>
+            <a:off x="432038" y="2340510"/>
+            <a:ext cx="3817838" cy="4252208"/>
           </a:xfrm>
         </p:spPr>
         <p:txBody>
@@ -1951,8 +1951,8 @@
         </p:nvSpPr>
         <p:spPr>
           <a:xfrm>
-            <a:off x="4389388" y="1410385"/>
-            <a:ext cx="3819337" cy="587781"/>
+            <a:off x="4389393" y="1652026"/>
+            <a:ext cx="3819337" cy="688484"/>
           </a:xfrm>
         </p:spPr>
         <p:txBody>
@@ -1962,35 +1962,35 @@
               <a:buNone/>
               <a:defRPr sz="2200" b="1"/>
             </a:lvl1pPr>
-            <a:lvl2pPr marL="426888" indent="0">
+            <a:lvl2pPr marL="426895" indent="0">
               <a:buNone/>
               <a:defRPr sz="1900" b="1"/>
             </a:lvl2pPr>
-            <a:lvl3pPr marL="853775" indent="0">
+            <a:lvl3pPr marL="853789" indent="0">
               <a:buNone/>
               <a:defRPr sz="1700" b="1"/>
             </a:lvl3pPr>
-            <a:lvl4pPr marL="1280663" indent="0">
+            <a:lvl4pPr marL="1280685" indent="0">
               <a:buNone/>
               <a:defRPr sz="1500" b="1"/>
             </a:lvl4pPr>
-            <a:lvl5pPr marL="1707551" indent="0">
+            <a:lvl5pPr marL="1707580" indent="0">
               <a:buNone/>
               <a:defRPr sz="1500" b="1"/>
             </a:lvl5pPr>
-            <a:lvl6pPr marL="2134438" indent="0">
+            <a:lvl6pPr marL="2134474" indent="0">
               <a:buNone/>
               <a:defRPr sz="1500" b="1"/>
             </a:lvl6pPr>
-            <a:lvl7pPr marL="2561326" indent="0">
+            <a:lvl7pPr marL="2561370" indent="0">
               <a:buNone/>
               <a:defRPr sz="1500" b="1"/>
             </a:lvl7pPr>
-            <a:lvl8pPr marL="2988213" indent="0">
+            <a:lvl8pPr marL="2988264" indent="0">
               <a:buNone/>
               <a:defRPr sz="1500" b="1"/>
             </a:lvl8pPr>
-            <a:lvl9pPr marL="3415101" indent="0">
+            <a:lvl9pPr marL="3415159" indent="0">
               <a:buNone/>
               <a:defRPr sz="1500" b="1"/>
             </a:lvl9pPr>
@@ -2016,8 +2016,8 @@
         </p:nvSpPr>
         <p:spPr>
           <a:xfrm>
-            <a:off x="4389388" y="1998167"/>
-            <a:ext cx="3819337" cy="3630246"/>
+            <a:off x="4389393" y="2340510"/>
+            <a:ext cx="3819337" cy="4252208"/>
           </a:xfrm>
         </p:spPr>
         <p:txBody>
@@ -2398,8 +2398,8 @@
         </p:nvSpPr>
         <p:spPr>
           <a:xfrm>
-            <a:off x="432039" y="250864"/>
-            <a:ext cx="2842751" cy="1067634"/>
+            <a:off x="432044" y="293844"/>
+            <a:ext cx="2842751" cy="1250549"/>
           </a:xfrm>
         </p:spPr>
         <p:txBody>
@@ -2429,8 +2429,8 @@
         </p:nvSpPr>
         <p:spPr>
           <a:xfrm>
-            <a:off x="3378298" y="250865"/>
-            <a:ext cx="4830427" cy="5377548"/>
+            <a:off x="3378303" y="293845"/>
+            <a:ext cx="4830427" cy="6298871"/>
           </a:xfrm>
         </p:spPr>
         <p:txBody>
@@ -2513,8 +2513,8 @@
         </p:nvSpPr>
         <p:spPr>
           <a:xfrm>
-            <a:off x="432039" y="1318499"/>
-            <a:ext cx="2842751" cy="4309914"/>
+            <a:off x="432044" y="1544394"/>
+            <a:ext cx="2842751" cy="5048322"/>
           </a:xfrm>
         </p:spPr>
         <p:txBody>
@@ -2524,35 +2524,35 @@
               <a:buNone/>
               <a:defRPr sz="1300"/>
             </a:lvl1pPr>
-            <a:lvl2pPr marL="426888" indent="0">
+            <a:lvl2pPr marL="426895" indent="0">
               <a:buNone/>
               <a:defRPr sz="1100"/>
             </a:lvl2pPr>
-            <a:lvl3pPr marL="853775" indent="0">
+            <a:lvl3pPr marL="853789" indent="0">
               <a:buNone/>
               <a:defRPr sz="900"/>
             </a:lvl3pPr>
-            <a:lvl4pPr marL="1280663" indent="0">
+            <a:lvl4pPr marL="1280685" indent="0">
               <a:buNone/>
               <a:defRPr sz="800"/>
             </a:lvl4pPr>
-            <a:lvl5pPr marL="1707551" indent="0">
+            <a:lvl5pPr marL="1707580" indent="0">
               <a:buNone/>
               <a:defRPr sz="800"/>
             </a:lvl5pPr>
-            <a:lvl6pPr marL="2134438" indent="0">
+            <a:lvl6pPr marL="2134474" indent="0">
               <a:buNone/>
               <a:defRPr sz="800"/>
             </a:lvl6pPr>
-            <a:lvl7pPr marL="2561326" indent="0">
+            <a:lvl7pPr marL="2561370" indent="0">
               <a:buNone/>
               <a:defRPr sz="800"/>
             </a:lvl7pPr>
-            <a:lvl8pPr marL="2988213" indent="0">
+            <a:lvl8pPr marL="2988264" indent="0">
               <a:buNone/>
               <a:defRPr sz="800"/>
             </a:lvl8pPr>
-            <a:lvl9pPr marL="3415101" indent="0">
+            <a:lvl9pPr marL="3415159" indent="0">
               <a:buNone/>
               <a:defRPr sz="800"/>
             </a:lvl9pPr>
@@ -2670,8 +2670,8 @@
         </p:nvSpPr>
         <p:spPr>
           <a:xfrm>
-            <a:off x="1693650" y="4410551"/>
-            <a:ext cx="5184458" cy="520691"/>
+            <a:off x="1693650" y="5166204"/>
+            <a:ext cx="5184458" cy="609900"/>
           </a:xfrm>
         </p:spPr>
         <p:txBody>
@@ -2701,8 +2701,8 @@
         </p:nvSpPr>
         <p:spPr>
           <a:xfrm>
-            <a:off x="1693650" y="562987"/>
-            <a:ext cx="5184458" cy="3780473"/>
+            <a:off x="1693650" y="659443"/>
+            <a:ext cx="5184458" cy="4428173"/>
           </a:xfrm>
         </p:spPr>
         <p:txBody>
@@ -2712,35 +2712,35 @@
               <a:buNone/>
               <a:defRPr sz="3000"/>
             </a:lvl1pPr>
-            <a:lvl2pPr marL="426888" indent="0">
+            <a:lvl2pPr marL="426895" indent="0">
               <a:buNone/>
               <a:defRPr sz="2600"/>
             </a:lvl2pPr>
-            <a:lvl3pPr marL="853775" indent="0">
+            <a:lvl3pPr marL="853789" indent="0">
               <a:buNone/>
               <a:defRPr sz="2200"/>
             </a:lvl3pPr>
-            <a:lvl4pPr marL="1280663" indent="0">
+            <a:lvl4pPr marL="1280685" indent="0">
               <a:buNone/>
               <a:defRPr sz="1900"/>
             </a:lvl4pPr>
-            <a:lvl5pPr marL="1707551" indent="0">
+            <a:lvl5pPr marL="1707580" indent="0">
               <a:buNone/>
               <a:defRPr sz="1900"/>
             </a:lvl5pPr>
-            <a:lvl6pPr marL="2134438" indent="0">
+            <a:lvl6pPr marL="2134474" indent="0">
               <a:buNone/>
               <a:defRPr sz="1900"/>
             </a:lvl6pPr>
-            <a:lvl7pPr marL="2561326" indent="0">
+            <a:lvl7pPr marL="2561370" indent="0">
               <a:buNone/>
               <a:defRPr sz="1900"/>
             </a:lvl7pPr>
-            <a:lvl8pPr marL="2988213" indent="0">
+            <a:lvl8pPr marL="2988264" indent="0">
               <a:buNone/>
               <a:defRPr sz="1900"/>
             </a:lvl8pPr>
-            <a:lvl9pPr marL="3415101" indent="0">
+            <a:lvl9pPr marL="3415159" indent="0">
               <a:buNone/>
               <a:defRPr sz="1900"/>
             </a:lvl9pPr>
@@ -2762,8 +2762,8 @@
         </p:nvSpPr>
         <p:spPr>
           <a:xfrm>
-            <a:off x="1693650" y="4931242"/>
-            <a:ext cx="5184458" cy="739467"/>
+            <a:off x="1693650" y="5776101"/>
+            <a:ext cx="5184458" cy="866158"/>
           </a:xfrm>
         </p:spPr>
         <p:txBody>
@@ -2773,35 +2773,35 @@
               <a:buNone/>
               <a:defRPr sz="1300"/>
             </a:lvl1pPr>
-            <a:lvl2pPr marL="426888" indent="0">
+            <a:lvl2pPr marL="426895" indent="0">
               <a:buNone/>
               <a:defRPr sz="1100"/>
             </a:lvl2pPr>
-            <a:lvl3pPr marL="853775" indent="0">
+            <a:lvl3pPr marL="853789" indent="0">
               <a:buNone/>
               <a:defRPr sz="900"/>
             </a:lvl3pPr>
-            <a:lvl4pPr marL="1280663" indent="0">
+            <a:lvl4pPr marL="1280685" indent="0">
               <a:buNone/>
               <a:defRPr sz="800"/>
             </a:lvl4pPr>
-            <a:lvl5pPr marL="1707551" indent="0">
+            <a:lvl5pPr marL="1707580" indent="0">
               <a:buNone/>
               <a:defRPr sz="800"/>
             </a:lvl5pPr>
-            <a:lvl6pPr marL="2134438" indent="0">
+            <a:lvl6pPr marL="2134474" indent="0">
               <a:buNone/>
               <a:defRPr sz="800"/>
             </a:lvl6pPr>
-            <a:lvl7pPr marL="2561326" indent="0">
+            <a:lvl7pPr marL="2561370" indent="0">
               <a:buNone/>
               <a:defRPr sz="800"/>
             </a:lvl7pPr>
-            <a:lvl8pPr marL="2988213" indent="0">
+            <a:lvl8pPr marL="2988264" indent="0">
               <a:buNone/>
               <a:defRPr sz="800"/>
             </a:lvl8pPr>
-            <a:lvl9pPr marL="3415101" indent="0">
+            <a:lvl9pPr marL="3415159" indent="0">
               <a:buNone/>
               <a:defRPr sz="800"/>
             </a:lvl9pPr>
@@ -2924,8 +2924,8 @@
         </p:nvSpPr>
         <p:spPr>
           <a:xfrm>
-            <a:off x="432038" y="252324"/>
-            <a:ext cx="7776687" cy="1050131"/>
+            <a:off x="432043" y="295557"/>
+            <a:ext cx="7776687" cy="1230048"/>
           </a:xfrm>
           <a:prstGeom prst="rect">
             <a:avLst/>
@@ -2956,8 +2956,8 @@
         </p:nvSpPr>
         <p:spPr>
           <a:xfrm>
-            <a:off x="432038" y="1470184"/>
-            <a:ext cx="7776687" cy="4158229"/>
+            <a:off x="432043" y="1722069"/>
+            <a:ext cx="7776687" cy="4870649"/>
           </a:xfrm>
           <a:prstGeom prst="rect">
             <a:avLst/>
@@ -3017,8 +3017,8 @@
         </p:nvSpPr>
         <p:spPr>
           <a:xfrm>
-            <a:off x="432038" y="5839897"/>
-            <a:ext cx="2016178" cy="335459"/>
+            <a:off x="432038" y="6840436"/>
+            <a:ext cx="2016178" cy="392932"/>
           </a:xfrm>
           <a:prstGeom prst="rect">
             <a:avLst/>
@@ -3059,8 +3059,8 @@
         </p:nvSpPr>
         <p:spPr>
           <a:xfrm>
-            <a:off x="2952261" y="5839897"/>
-            <a:ext cx="2736242" cy="335459"/>
+            <a:off x="2952261" y="6840436"/>
+            <a:ext cx="2736242" cy="392932"/>
           </a:xfrm>
           <a:prstGeom prst="rect">
             <a:avLst/>
@@ -3096,8 +3096,8 @@
         </p:nvSpPr>
         <p:spPr>
           <a:xfrm>
-            <a:off x="6192547" y="5839897"/>
-            <a:ext cx="2016178" cy="335459"/>
+            <a:off x="6192547" y="6840436"/>
+            <a:ext cx="2016178" cy="392932"/>
           </a:xfrm>
           <a:prstGeom prst="rect">
             <a:avLst/>
@@ -3144,7 +3144,7 @@
   </p:sldLayoutIdLst>
   <p:txStyles>
     <p:titleStyle>
-      <a:lvl1pPr algn="ctr" defTabSz="853775" rtl="0" eaLnBrk="1" latinLnBrk="0" hangingPunct="1">
+      <a:lvl1pPr algn="ctr" defTabSz="853789" rtl="0" eaLnBrk="1" latinLnBrk="0" hangingPunct="1">
         <a:spcBef>
           <a:spcPct val="0"/>
         </a:spcBef>
@@ -3160,7 +3160,7 @@
       </a:lvl1pPr>
     </p:titleStyle>
     <p:bodyStyle>
-      <a:lvl1pPr marL="320166" indent="-320166" algn="l" defTabSz="853775" rtl="0" eaLnBrk="1" latinLnBrk="0" hangingPunct="1">
+      <a:lvl1pPr marL="320171" indent="-320171" algn="l" defTabSz="853789" rtl="0" eaLnBrk="1" latinLnBrk="0" hangingPunct="1">
         <a:spcBef>
           <a:spcPct val="20000"/>
         </a:spcBef>
@@ -3175,7 +3175,7 @@
           <a:cs typeface="+mn-cs"/>
         </a:defRPr>
       </a:lvl1pPr>
-      <a:lvl2pPr marL="693692" indent="-266805" algn="l" defTabSz="853775" rtl="0" eaLnBrk="1" latinLnBrk="0" hangingPunct="1">
+      <a:lvl2pPr marL="693704" indent="-266810" algn="l" defTabSz="853789" rtl="0" eaLnBrk="1" latinLnBrk="0" hangingPunct="1">
         <a:spcBef>
           <a:spcPct val="20000"/>
         </a:spcBef>
@@ -3190,7 +3190,7 @@
           <a:cs typeface="+mn-cs"/>
         </a:defRPr>
       </a:lvl2pPr>
-      <a:lvl3pPr marL="1067219" indent="-213444" algn="l" defTabSz="853775" rtl="0" eaLnBrk="1" latinLnBrk="0" hangingPunct="1">
+      <a:lvl3pPr marL="1067237" indent="-213448" algn="l" defTabSz="853789" rtl="0" eaLnBrk="1" latinLnBrk="0" hangingPunct="1">
         <a:spcBef>
           <a:spcPct val="20000"/>
         </a:spcBef>
@@ -3205,7 +3205,7 @@
           <a:cs typeface="+mn-cs"/>
         </a:defRPr>
       </a:lvl3pPr>
-      <a:lvl4pPr marL="1494107" indent="-213444" algn="l" defTabSz="853775" rtl="0" eaLnBrk="1" latinLnBrk="0" hangingPunct="1">
+      <a:lvl4pPr marL="1494133" indent="-213448" algn="l" defTabSz="853789" rtl="0" eaLnBrk="1" latinLnBrk="0" hangingPunct="1">
         <a:spcBef>
           <a:spcPct val="20000"/>
         </a:spcBef>
@@ -3220,7 +3220,7 @@
           <a:cs typeface="+mn-cs"/>
         </a:defRPr>
       </a:lvl4pPr>
-      <a:lvl5pPr marL="1920994" indent="-213444" algn="l" defTabSz="853775" rtl="0" eaLnBrk="1" latinLnBrk="0" hangingPunct="1">
+      <a:lvl5pPr marL="1921027" indent="-213448" algn="l" defTabSz="853789" rtl="0" eaLnBrk="1" latinLnBrk="0" hangingPunct="1">
         <a:spcBef>
           <a:spcPct val="20000"/>
         </a:spcBef>
@@ -3235,7 +3235,7 @@
           <a:cs typeface="+mn-cs"/>
         </a:defRPr>
       </a:lvl5pPr>
-      <a:lvl6pPr marL="2347882" indent="-213444" algn="l" defTabSz="853775" rtl="0" eaLnBrk="1" latinLnBrk="0" hangingPunct="1">
+      <a:lvl6pPr marL="2347922" indent="-213448" algn="l" defTabSz="853789" rtl="0" eaLnBrk="1" latinLnBrk="0" hangingPunct="1">
         <a:spcBef>
           <a:spcPct val="20000"/>
         </a:spcBef>
@@ -3250,7 +3250,7 @@
           <a:cs typeface="+mn-cs"/>
         </a:defRPr>
       </a:lvl6pPr>
-      <a:lvl7pPr marL="2774770" indent="-213444" algn="l" defTabSz="853775" rtl="0" eaLnBrk="1" latinLnBrk="0" hangingPunct="1">
+      <a:lvl7pPr marL="2774817" indent="-213448" algn="l" defTabSz="853789" rtl="0" eaLnBrk="1" latinLnBrk="0" hangingPunct="1">
         <a:spcBef>
           <a:spcPct val="20000"/>
         </a:spcBef>
@@ -3265,7 +3265,7 @@
           <a:cs typeface="+mn-cs"/>
         </a:defRPr>
       </a:lvl7pPr>
-      <a:lvl8pPr marL="3201657" indent="-213444" algn="l" defTabSz="853775" rtl="0" eaLnBrk="1" latinLnBrk="0" hangingPunct="1">
+      <a:lvl8pPr marL="3201711" indent="-213448" algn="l" defTabSz="853789" rtl="0" eaLnBrk="1" latinLnBrk="0" hangingPunct="1">
         <a:spcBef>
           <a:spcPct val="20000"/>
         </a:spcBef>
@@ -3280,7 +3280,7 @@
           <a:cs typeface="+mn-cs"/>
         </a:defRPr>
       </a:lvl8pPr>
-      <a:lvl9pPr marL="3628545" indent="-213444" algn="l" defTabSz="853775" rtl="0" eaLnBrk="1" latinLnBrk="0" hangingPunct="1">
+      <a:lvl9pPr marL="3628607" indent="-213448" algn="l" defTabSz="853789" rtl="0" eaLnBrk="1" latinLnBrk="0" hangingPunct="1">
         <a:spcBef>
           <a:spcPct val="20000"/>
         </a:spcBef>
@@ -3300,7 +3300,7 @@
       <a:defPPr>
         <a:defRPr lang="en-US"/>
       </a:defPPr>
-      <a:lvl1pPr marL="0" algn="l" defTabSz="853775" rtl="0" eaLnBrk="1" latinLnBrk="0" hangingPunct="1">
+      <a:lvl1pPr marL="0" algn="l" defTabSz="853789" rtl="0" eaLnBrk="1" latinLnBrk="0" hangingPunct="1">
         <a:defRPr sz="1700" kern="1200">
           <a:solidFill>
             <a:schemeClr val="tx1"/>
@@ -3310,7 +3310,7 @@
           <a:cs typeface="+mn-cs"/>
         </a:defRPr>
       </a:lvl1pPr>
-      <a:lvl2pPr marL="426888" algn="l" defTabSz="853775" rtl="0" eaLnBrk="1" latinLnBrk="0" hangingPunct="1">
+      <a:lvl2pPr marL="426895" algn="l" defTabSz="853789" rtl="0" eaLnBrk="1" latinLnBrk="0" hangingPunct="1">
         <a:defRPr sz="1700" kern="1200">
           <a:solidFill>
             <a:schemeClr val="tx1"/>
@@ -3320,7 +3320,7 @@
           <a:cs typeface="+mn-cs"/>
         </a:defRPr>
       </a:lvl2pPr>
-      <a:lvl3pPr marL="853775" algn="l" defTabSz="853775" rtl="0" eaLnBrk="1" latinLnBrk="0" hangingPunct="1">
+      <a:lvl3pPr marL="853789" algn="l" defTabSz="853789" rtl="0" eaLnBrk="1" latinLnBrk="0" hangingPunct="1">
         <a:defRPr sz="1700" kern="1200">
           <a:solidFill>
             <a:schemeClr val="tx1"/>
@@ -3330,7 +3330,7 @@
           <a:cs typeface="+mn-cs"/>
         </a:defRPr>
       </a:lvl3pPr>
-      <a:lvl4pPr marL="1280663" algn="l" defTabSz="853775" rtl="0" eaLnBrk="1" latinLnBrk="0" hangingPunct="1">
+      <a:lvl4pPr marL="1280685" algn="l" defTabSz="853789" rtl="0" eaLnBrk="1" latinLnBrk="0" hangingPunct="1">
         <a:defRPr sz="1700" kern="1200">
           <a:solidFill>
             <a:schemeClr val="tx1"/>
@@ -3340,7 +3340,7 @@
           <a:cs typeface="+mn-cs"/>
         </a:defRPr>
       </a:lvl4pPr>
-      <a:lvl5pPr marL="1707551" algn="l" defTabSz="853775" rtl="0" eaLnBrk="1" latinLnBrk="0" hangingPunct="1">
+      <a:lvl5pPr marL="1707580" algn="l" defTabSz="853789" rtl="0" eaLnBrk="1" latinLnBrk="0" hangingPunct="1">
         <a:defRPr sz="1700" kern="1200">
           <a:solidFill>
             <a:schemeClr val="tx1"/>
@@ -3350,7 +3350,7 @@
           <a:cs typeface="+mn-cs"/>
         </a:defRPr>
       </a:lvl5pPr>
-      <a:lvl6pPr marL="2134438" algn="l" defTabSz="853775" rtl="0" eaLnBrk="1" latinLnBrk="0" hangingPunct="1">
+      <a:lvl6pPr marL="2134474" algn="l" defTabSz="853789" rtl="0" eaLnBrk="1" latinLnBrk="0" hangingPunct="1">
         <a:defRPr sz="1700" kern="1200">
           <a:solidFill>
             <a:schemeClr val="tx1"/>
@@ -3360,7 +3360,7 @@
           <a:cs typeface="+mn-cs"/>
         </a:defRPr>
       </a:lvl6pPr>
-      <a:lvl7pPr marL="2561326" algn="l" defTabSz="853775" rtl="0" eaLnBrk="1" latinLnBrk="0" hangingPunct="1">
+      <a:lvl7pPr marL="2561370" algn="l" defTabSz="853789" rtl="0" eaLnBrk="1" latinLnBrk="0" hangingPunct="1">
         <a:defRPr sz="1700" kern="1200">
           <a:solidFill>
             <a:schemeClr val="tx1"/>
@@ -3370,7 +3370,7 @@
           <a:cs typeface="+mn-cs"/>
         </a:defRPr>
       </a:lvl7pPr>
-      <a:lvl8pPr marL="2988213" algn="l" defTabSz="853775" rtl="0" eaLnBrk="1" latinLnBrk="0" hangingPunct="1">
+      <a:lvl8pPr marL="2988264" algn="l" defTabSz="853789" rtl="0" eaLnBrk="1" latinLnBrk="0" hangingPunct="1">
         <a:defRPr sz="1700" kern="1200">
           <a:solidFill>
             <a:schemeClr val="tx1"/>
@@ -3380,7 +3380,7 @@
           <a:cs typeface="+mn-cs"/>
         </a:defRPr>
       </a:lvl8pPr>
-      <a:lvl9pPr marL="3415101" algn="l" defTabSz="853775" rtl="0" eaLnBrk="1" latinLnBrk="0" hangingPunct="1">
+      <a:lvl9pPr marL="3415159" algn="l" defTabSz="853789" rtl="0" eaLnBrk="1" latinLnBrk="0" hangingPunct="1">
         <a:defRPr sz="1700" kern="1200">
           <a:solidFill>
             <a:schemeClr val="tx1"/>
@@ -3420,7 +3420,7 @@
         </p:nvSpPr>
         <p:spPr>
           <a:xfrm>
-            <a:off x="6149181" y="330994"/>
+            <a:off x="6167072" y="489744"/>
             <a:ext cx="1872000" cy="381000"/>
           </a:xfrm>
           <a:prstGeom prst="roundRect">
@@ -3479,7 +3479,7 @@
         </p:nvSpPr>
         <p:spPr>
           <a:xfrm>
-            <a:off x="6149181" y="1092994"/>
+            <a:off x="6167072" y="1251744"/>
             <a:ext cx="1872000" cy="381000"/>
           </a:xfrm>
           <a:prstGeom prst="roundRect">
@@ -3538,7 +3538,7 @@
         </p:nvSpPr>
         <p:spPr>
           <a:xfrm>
-            <a:off x="5844381" y="1838118"/>
+            <a:off x="5862272" y="1996868"/>
             <a:ext cx="2176800" cy="381000"/>
           </a:xfrm>
           <a:prstGeom prst="roundRect">
@@ -3597,7 +3597,7 @@
         </p:nvSpPr>
         <p:spPr>
           <a:xfrm>
-            <a:off x="4548981" y="2600118"/>
+            <a:off x="4566871" y="2758868"/>
             <a:ext cx="3472200" cy="381000"/>
           </a:xfrm>
           <a:prstGeom prst="roundRect">
@@ -3656,7 +3656,7 @@
         </p:nvSpPr>
         <p:spPr>
           <a:xfrm>
-            <a:off x="5768181" y="3362118"/>
+            <a:off x="5786071" y="3520868"/>
             <a:ext cx="2253000" cy="381000"/>
           </a:xfrm>
           <a:prstGeom prst="roundRect">
@@ -3715,7 +3715,7 @@
         </p:nvSpPr>
         <p:spPr>
           <a:xfrm>
-            <a:off x="5158581" y="4124118"/>
+            <a:off x="5176475" y="4282868"/>
             <a:ext cx="2866085" cy="381000"/>
           </a:xfrm>
           <a:prstGeom prst="roundRect">
@@ -3774,7 +3774,7 @@
         </p:nvSpPr>
         <p:spPr>
           <a:xfrm>
-            <a:off x="6301581" y="4868932"/>
+            <a:off x="6319475" y="5027682"/>
             <a:ext cx="1723085" cy="381000"/>
           </a:xfrm>
           <a:prstGeom prst="roundRect">
@@ -3833,7 +3833,7 @@
         </p:nvSpPr>
         <p:spPr>
           <a:xfrm>
-            <a:off x="6149181" y="5613746"/>
+            <a:off x="6167075" y="5772496"/>
             <a:ext cx="1882283" cy="381000"/>
           </a:xfrm>
           <a:prstGeom prst="roundRect">
@@ -3892,8 +3892,8 @@
         </p:nvSpPr>
         <p:spPr>
           <a:xfrm>
-            <a:off x="2415381" y="330684"/>
-            <a:ext cx="3507307" cy="353943"/>
+            <a:off x="2433275" y="489438"/>
+            <a:ext cx="3506857" cy="353943"/>
           </a:xfrm>
           <a:prstGeom prst="rect">
             <a:avLst/>
@@ -3945,7 +3945,7 @@
         </p:nvSpPr>
         <p:spPr>
           <a:xfrm>
-            <a:off x="4398985" y="1092994"/>
+            <a:off x="4416879" y="1251748"/>
             <a:ext cx="1422377" cy="353943"/>
           </a:xfrm>
           <a:prstGeom prst="rect">
@@ -4003,8 +4003,8 @@
         </p:nvSpPr>
         <p:spPr>
           <a:xfrm>
-            <a:off x="3862941" y="1824279"/>
-            <a:ext cx="1896481" cy="353943"/>
+            <a:off x="3880833" y="1983033"/>
+            <a:ext cx="1846724" cy="353943"/>
           </a:xfrm>
           <a:prstGeom prst="rect">
             <a:avLst/>
@@ -4064,8 +4064,8 @@
         </p:nvSpPr>
         <p:spPr>
           <a:xfrm>
-            <a:off x="20051" y="2400117"/>
-            <a:ext cx="4976747" cy="830997"/>
+            <a:off x="37944" y="2558870"/>
+            <a:ext cx="4976491" cy="830997"/>
           </a:xfrm>
           <a:prstGeom prst="rect">
             <a:avLst/>
@@ -4277,8 +4277,8 @@
         </p:nvSpPr>
         <p:spPr>
           <a:xfrm>
-            <a:off x="20051" y="3899119"/>
-            <a:ext cx="4285084" cy="830997"/>
+            <a:off x="37941" y="4057872"/>
+            <a:ext cx="4211474" cy="830997"/>
           </a:xfrm>
           <a:prstGeom prst="rect">
             <a:avLst/>
@@ -4464,8 +4464,8 @@
         </p:nvSpPr>
         <p:spPr>
           <a:xfrm>
-            <a:off x="4594653" y="4761989"/>
-            <a:ext cx="1554528" cy="646331"/>
+            <a:off x="4612544" y="4920742"/>
+            <a:ext cx="1554465" cy="646331"/>
           </a:xfrm>
           <a:prstGeom prst="rect">
             <a:avLst/>
@@ -4557,8 +4557,8 @@
         </p:nvSpPr>
         <p:spPr>
           <a:xfrm>
-            <a:off x="5017902" y="5665746"/>
-            <a:ext cx="932050" cy="276999"/>
+            <a:off x="5035792" y="5824500"/>
+            <a:ext cx="931922" cy="276999"/>
           </a:xfrm>
           <a:prstGeom prst="rect">
             <a:avLst/>
@@ -4607,7 +4607,7 @@
         </p:nvSpPr>
         <p:spPr>
           <a:xfrm>
-            <a:off x="3349515" y="3174459"/>
+            <a:off x="3367405" y="3333213"/>
             <a:ext cx="2118016" cy="1015663"/>
           </a:xfrm>
           <a:prstGeom prst="rect">
@@ -4782,7 +4782,7 @@
         </p:nvSpPr>
         <p:spPr>
           <a:xfrm>
-            <a:off x="1559135" y="582020"/>
+            <a:off x="1577028" y="740774"/>
             <a:ext cx="4390817" cy="353943"/>
           </a:xfrm>
           <a:prstGeom prst="rect">
@@ -4823,6 +4823,130 @@
             <a:r>
               <a:rPr lang="en-US" dirty="0"/>
               <a:t>/presentations/{id}/analysis/coauthor</a:t>
+            </a:r>
+          </a:p>
+        </p:txBody>
+      </p:sp>
+      <p:sp>
+        <p:nvSpPr>
+          <p:cNvPr id="19" name="Rounded Rectangle 7">
+            <a:extLst>
+              <a:ext uri="{FF2B5EF4-FFF2-40B4-BE49-F238E27FC236}">
+                <a16:creationId xmlns:a16="http://schemas.microsoft.com/office/drawing/2014/main" id="{49B58083-22A6-44AF-9630-94811525459A}"/>
+              </a:ext>
+            </a:extLst>
+          </p:cNvPr>
+          <p:cNvSpPr/>
+          <p:nvPr/>
+        </p:nvSpPr>
+        <p:spPr>
+          <a:xfrm>
+            <a:off x="6226733" y="6446211"/>
+            <a:ext cx="1822625" cy="381001"/>
+          </a:xfrm>
+          <a:prstGeom prst="roundRect">
+            <a:avLst>
+              <a:gd name="adj" fmla="val 9190"/>
+            </a:avLst>
+          </a:prstGeom>
+          <a:solidFill>
+            <a:schemeClr val="accent1">
+              <a:lumMod val="60000"/>
+              <a:lumOff val="40000"/>
+            </a:schemeClr>
+          </a:solidFill>
+          <a:ln>
+            <a:solidFill>
+              <a:schemeClr val="accent1">
+                <a:lumMod val="75000"/>
+              </a:schemeClr>
+            </a:solidFill>
+          </a:ln>
+        </p:spPr>
+        <p:style>
+          <a:lnRef idx="2">
+            <a:schemeClr val="accent1">
+              <a:shade val="50000"/>
+            </a:schemeClr>
+          </a:lnRef>
+          <a:fillRef idx="1">
+            <a:schemeClr val="accent1"/>
+          </a:fillRef>
+          <a:effectRef idx="0">
+            <a:schemeClr val="accent1"/>
+          </a:effectRef>
+          <a:fontRef idx="minor">
+            <a:schemeClr val="lt1"/>
+          </a:fontRef>
+        </p:style>
+        <p:txBody>
+          <a:bodyPr rtlCol="0" anchor="t" anchorCtr="1"/>
+          <a:lstStyle/>
+          <a:p>
+            <a:pPr algn="ctr"/>
+            <a:r>
+              <a:rPr lang="en-US" sz="1600" b="1" dirty="0" err="1"/>
+              <a:t>MailController</a:t>
+            </a:r>
+            <a:endParaRPr lang="en-SG" sz="1600" b="1" dirty="0"/>
+          </a:p>
+        </p:txBody>
+      </p:sp>
+      <p:sp>
+        <p:nvSpPr>
+          <p:cNvPr id="20" name="TextBox 19">
+            <a:extLst>
+              <a:ext uri="{FF2B5EF4-FFF2-40B4-BE49-F238E27FC236}">
+                <a16:creationId xmlns:a16="http://schemas.microsoft.com/office/drawing/2014/main" id="{0276B913-BDBB-47A1-A8AD-2611FDF79992}"/>
+              </a:ext>
+            </a:extLst>
+          </p:cNvPr>
+          <p:cNvSpPr txBox="1"/>
+          <p:nvPr/>
+        </p:nvSpPr>
+        <p:spPr>
+          <a:xfrm>
+            <a:off x="4004091" y="6486642"/>
+            <a:ext cx="2062473" cy="353943"/>
+          </a:xfrm>
+          <a:prstGeom prst="rect">
+            <a:avLst/>
+          </a:prstGeom>
+          <a:noFill/>
+        </p:spPr>
+        <p:txBody>
+          <a:bodyPr wrap="square" rtlCol="0">
+            <a:spAutoFit/>
+          </a:bodyPr>
+          <a:lstStyle/>
+          <a:p>
+            <a:r>
+              <a:rPr lang="en-US" b="1" dirty="0">
+                <a:solidFill>
+                  <a:srgbClr val="00B0F0"/>
+                </a:solidFill>
+              </a:rPr>
+              <a:t>POST</a:t>
+            </a:r>
+            <a:r>
+              <a:rPr lang="en-US" b="1" dirty="0">
+                <a:solidFill>
+                  <a:schemeClr val="accent5"/>
+                </a:solidFill>
+              </a:rPr>
+              <a:t> </a:t>
+            </a:r>
+            <a:r>
+              <a:rPr lang="en-US" dirty="0"/>
+              <a:t>/</a:t>
+            </a:r>
+            <a:r>
+              <a:rPr lang="en-US" dirty="0" err="1"/>
+              <a:t>api</a:t>
+            </a:r>
+            <a:r>
+              <a:rPr lang="en-US" dirty="0"/>
+              <a:t>/send-mail</a:t>
             </a:r>
           </a:p>
         </p:txBody>

--- a/images/backendUIOverview.pptx
+++ b/images/backendUIOverview.pptx
@@ -212,7 +212,7 @@
             <a:fld id="{5D8FA8FF-20DC-44E5-8C35-13EAF0A5698C}" type="datetimeFigureOut">
               <a:rPr lang="en-SG" smtClean="0"/>
               <a:pPr/>
-              <a:t>13/11/2019</a:t>
+              <a:t>13/11/19</a:t>
             </a:fld>
             <a:endParaRPr lang="en-SG"/>
           </a:p>
@@ -661,7 +661,7 @@
             <a:fld id="{1D8BD707-D9CF-40AE-B4C6-C98DA3205C09}" type="datetimeFigureOut">
               <a:rPr lang="en-US" smtClean="0"/>
               <a:pPr/>
-              <a:t>11/13/2019</a:t>
+              <a:t>11/13/19</a:t>
             </a:fld>
             <a:endParaRPr lang="en-US"/>
           </a:p>
@@ -826,7 +826,7 @@
             <a:fld id="{1D8BD707-D9CF-40AE-B4C6-C98DA3205C09}" type="datetimeFigureOut">
               <a:rPr lang="en-US" smtClean="0"/>
               <a:pPr/>
-              <a:t>11/13/2019</a:t>
+              <a:t>11/13/19</a:t>
             </a:fld>
             <a:endParaRPr lang="en-US"/>
           </a:p>
@@ -1001,7 +1001,7 @@
             <a:fld id="{1D8BD707-D9CF-40AE-B4C6-C98DA3205C09}" type="datetimeFigureOut">
               <a:rPr lang="en-US" smtClean="0"/>
               <a:pPr/>
-              <a:t>11/13/2019</a:t>
+              <a:t>11/13/19</a:t>
             </a:fld>
             <a:endParaRPr lang="en-US"/>
           </a:p>
@@ -1166,7 +1166,7 @@
             <a:fld id="{1D8BD707-D9CF-40AE-B4C6-C98DA3205C09}" type="datetimeFigureOut">
               <a:rPr lang="en-US" smtClean="0"/>
               <a:pPr/>
-              <a:t>11/13/2019</a:t>
+              <a:t>11/13/19</a:t>
             </a:fld>
             <a:endParaRPr lang="en-US"/>
           </a:p>
@@ -1408,7 +1408,7 @@
             <a:fld id="{1D8BD707-D9CF-40AE-B4C6-C98DA3205C09}" type="datetimeFigureOut">
               <a:rPr lang="en-US" smtClean="0"/>
               <a:pPr/>
-              <a:t>11/13/2019</a:t>
+              <a:t>11/13/19</a:t>
             </a:fld>
             <a:endParaRPr lang="en-US"/>
           </a:p>
@@ -1690,7 +1690,7 @@
             <a:fld id="{1D8BD707-D9CF-40AE-B4C6-C98DA3205C09}" type="datetimeFigureOut">
               <a:rPr lang="en-US" smtClean="0"/>
               <a:pPr/>
-              <a:t>11/13/2019</a:t>
+              <a:t>11/13/19</a:t>
             </a:fld>
             <a:endParaRPr lang="en-US"/>
           </a:p>
@@ -2106,7 +2106,7 @@
             <a:fld id="{1D8BD707-D9CF-40AE-B4C6-C98DA3205C09}" type="datetimeFigureOut">
               <a:rPr lang="en-US" smtClean="0"/>
               <a:pPr/>
-              <a:t>11/13/2019</a:t>
+              <a:t>11/13/19</a:t>
             </a:fld>
             <a:endParaRPr lang="en-US"/>
           </a:p>
@@ -2220,7 +2220,7 @@
             <a:fld id="{1D8BD707-D9CF-40AE-B4C6-C98DA3205C09}" type="datetimeFigureOut">
               <a:rPr lang="en-US" smtClean="0"/>
               <a:pPr/>
-              <a:t>11/13/2019</a:t>
+              <a:t>11/13/19</a:t>
             </a:fld>
             <a:endParaRPr lang="en-US"/>
           </a:p>
@@ -2312,7 +2312,7 @@
             <a:fld id="{1D8BD707-D9CF-40AE-B4C6-C98DA3205C09}" type="datetimeFigureOut">
               <a:rPr lang="en-US" smtClean="0"/>
               <a:pPr/>
-              <a:t>11/13/2019</a:t>
+              <a:t>11/13/19</a:t>
             </a:fld>
             <a:endParaRPr lang="en-US"/>
           </a:p>
@@ -2584,7 +2584,7 @@
             <a:fld id="{1D8BD707-D9CF-40AE-B4C6-C98DA3205C09}" type="datetimeFigureOut">
               <a:rPr lang="en-US" smtClean="0"/>
               <a:pPr/>
-              <a:t>11/13/2019</a:t>
+              <a:t>11/13/19</a:t>
             </a:fld>
             <a:endParaRPr lang="en-US"/>
           </a:p>
@@ -2833,7 +2833,7 @@
             <a:fld id="{1D8BD707-D9CF-40AE-B4C6-C98DA3205C09}" type="datetimeFigureOut">
               <a:rPr lang="en-US" smtClean="0"/>
               <a:pPr/>
-              <a:t>11/13/2019</a:t>
+              <a:t>11/13/19</a:t>
             </a:fld>
             <a:endParaRPr lang="en-US"/>
           </a:p>
@@ -3041,7 +3041,7 @@
             <a:fld id="{1D8BD707-D9CF-40AE-B4C6-C98DA3205C09}" type="datetimeFigureOut">
               <a:rPr lang="en-US" smtClean="0"/>
               <a:pPr/>
-              <a:t>11/13/2019</a:t>
+              <a:t>11/13/19</a:t>
             </a:fld>
             <a:endParaRPr lang="en-US"/>
           </a:p>
@@ -3426,8 +3426,8 @@
         </p:nvSpPr>
         <p:spPr>
           <a:xfrm>
-            <a:off x="3683948" y="4725380"/>
-            <a:ext cx="2703689" cy="1015663"/>
+            <a:off x="2700288" y="5294763"/>
+            <a:ext cx="3466783" cy="1015663"/>
           </a:xfrm>
           <a:prstGeom prst="rect">
             <a:avLst/>
@@ -3540,7 +3540,15 @@
             </a:r>
             <a:r>
               <a:rPr lang="en-US" sz="1200" dirty="0"/>
-              <a:t> /{id}</a:t>
+              <a:t> /{</a:t>
+            </a:r>
+            <a:r>
+              <a:rPr lang="en-US" sz="1200" dirty="0" err="1"/>
+              <a:t>recordGroupId</a:t>
+            </a:r>
+            <a:r>
+              <a:rPr lang="en-US" sz="1200" dirty="0"/>
+              <a:t>}</a:t>
             </a:r>
           </a:p>
           <a:p>
@@ -3578,7 +3586,15 @@
             </a:r>
             <a:r>
               <a:rPr lang="en-US" sz="1200" dirty="0"/>
-              <a:t> /{id}</a:t>
+              <a:t> /{</a:t>
+            </a:r>
+            <a:r>
+              <a:rPr lang="en-US" sz="1200" dirty="0" err="1"/>
+              <a:t>recordGroupId</a:t>
+            </a:r>
+            <a:r>
+              <a:rPr lang="en-US" sz="1200" dirty="0"/>
+              <a:t>}</a:t>
             </a:r>
           </a:p>
           <a:p>
@@ -3616,7 +3632,15 @@
             </a:r>
             <a:r>
               <a:rPr lang="en-US" sz="1200" dirty="0"/>
-              <a:t> /{id}</a:t>
+              <a:t> /{</a:t>
+            </a:r>
+            <a:r>
+              <a:rPr lang="en-US" sz="1200" dirty="0" err="1"/>
+              <a:t>recordGroupId</a:t>
+            </a:r>
+            <a:r>
+              <a:rPr lang="en-US" sz="1200" dirty="0"/>
+              <a:t>}</a:t>
             </a:r>
           </a:p>
         </p:txBody>
@@ -3983,7 +4007,7 @@
         </p:nvSpPr>
         <p:spPr>
           <a:xfrm>
-            <a:off x="6319472" y="4951482"/>
+            <a:off x="6241528" y="5060458"/>
             <a:ext cx="1723085" cy="381000"/>
           </a:xfrm>
           <a:prstGeom prst="roundRect">
@@ -4042,7 +4066,7 @@
         </p:nvSpPr>
         <p:spPr>
           <a:xfrm>
-            <a:off x="6167072" y="5795465"/>
+            <a:off x="6167072" y="6280944"/>
             <a:ext cx="1882283" cy="381000"/>
           </a:xfrm>
           <a:prstGeom prst="roundRect">
@@ -4673,7 +4697,7 @@
         </p:nvSpPr>
         <p:spPr>
           <a:xfrm>
-            <a:off x="649207" y="4910045"/>
+            <a:off x="2688425" y="4737293"/>
             <a:ext cx="3123227" cy="646331"/>
           </a:xfrm>
           <a:prstGeom prst="rect">
@@ -4790,7 +4814,7 @@
         </p:nvSpPr>
         <p:spPr>
           <a:xfrm>
-            <a:off x="5035792" y="5847466"/>
+            <a:off x="5035792" y="6332945"/>
             <a:ext cx="932050" cy="276999"/>
           </a:xfrm>
           <a:prstGeom prst="rect">
@@ -5073,7 +5097,7 @@
         </p:nvSpPr>
         <p:spPr>
           <a:xfrm>
-            <a:off x="6226730" y="6504120"/>
+            <a:off x="6226730" y="6814344"/>
             <a:ext cx="1822625" cy="381001"/>
           </a:xfrm>
           <a:prstGeom prst="roundRect">
@@ -5138,7 +5162,7 @@
         </p:nvSpPr>
         <p:spPr>
           <a:xfrm>
-            <a:off x="4004088" y="6544551"/>
+            <a:off x="4004088" y="6854775"/>
             <a:ext cx="2062473" cy="353943"/>
           </a:xfrm>
           <a:prstGeom prst="rect">
